--- a/docs/Coding CoE - Mediator.pptx
+++ b/docs/Coding CoE - Mediator.pptx
@@ -164,6 +164,13 @@
       </p:ext>
     </p:extLst>
   </p:cmAuthor>
+  <p:cmAuthor id="2" name="Carlos Jasso" initials="CJ" lastIdx="2" clrIdx="1">
+    <p:extLst>
+      <p:ext uri="{19B8F6BF-5375-455C-9EA6-DF929625EA0E}">
+        <p15:presenceInfo xmlns:p15="http://schemas.microsoft.com/office/powerpoint/2012/main" userId="S::carlos.jasso@nearshoretechnology.com::dd377833-4d7d-4cfc-9c00-07d2f4e9e0f2" providerId="AD"/>
+      </p:ext>
+    </p:extLst>
+  </p:cmAuthor>
 </p:cmAuthorLst>
 </file>
 
@@ -261,7 +268,7 @@
           <a:p>
             <a:fld id="{B721A51E-2867-4112-8820-EE41172CFE34}" type="datetimeFigureOut">
               <a:rPr lang="en-US" smtClean="0"/>
-              <a:t>6/2/2021</a:t>
+              <a:t>1/25/2022</a:t>
             </a:fld>
             <a:endParaRPr lang="en-US"/>
           </a:p>
@@ -438,7 +445,7 @@
           <a:p>
             <a:fld id="{BD56F586-25E9-AE44-A8D9-F99A647777D8}" type="datetimeFigureOut">
               <a:rPr lang="en-US" smtClean="0"/>
-              <a:t>6/2/2021</a:t>
+              <a:t>1/25/2022</a:t>
             </a:fld>
             <a:endParaRPr lang="en-US"/>
           </a:p>
@@ -2024,7 +2031,7 @@
           </a:ln>
           <a:extLst>
             <a:ext uri="{C572A759-6A51-4108-AA02-DFA0A04FC94B}">
-              <ma14:wrappingTextBoxFlag xmlns="" xmlns:m="http://schemas.openxmlformats.org/officeDocument/2006/math" xmlns:a14="http://schemas.microsoft.com/office/drawing/2010/main" xmlns:ma14="http://schemas.microsoft.com/office/mac/drawingml/2011/main" val="1"/>
+              <ma14:wrappingTextBoxFlag xmlns:ma14="http://schemas.microsoft.com/office/mac/drawingml/2011/main" xmlns:a14="http://schemas.microsoft.com/office/drawing/2010/main" xmlns:m="http://schemas.openxmlformats.org/officeDocument/2006/math" xmlns="" val="1"/>
             </a:ext>
           </a:extLst>
         </p:spPr>
@@ -2279,7 +2286,7 @@
           </a:ln>
           <a:extLst>
             <a:ext uri="{C572A759-6A51-4108-AA02-DFA0A04FC94B}">
-              <ma14:wrappingTextBoxFlag xmlns="" xmlns:m="http://schemas.openxmlformats.org/officeDocument/2006/math" xmlns:a14="http://schemas.microsoft.com/office/drawing/2010/main" xmlns:ma14="http://schemas.microsoft.com/office/mac/drawingml/2011/main" val="1"/>
+              <ma14:wrappingTextBoxFlag xmlns:ma14="http://schemas.microsoft.com/office/mac/drawingml/2011/main" xmlns:a14="http://schemas.microsoft.com/office/drawing/2010/main" xmlns:m="http://schemas.openxmlformats.org/officeDocument/2006/math" xmlns="" val="1"/>
             </a:ext>
           </a:extLst>
         </p:spPr>
@@ -2373,7 +2380,7 @@
           </a:ln>
           <a:extLst>
             <a:ext uri="{C572A759-6A51-4108-AA02-DFA0A04FC94B}">
-              <ma14:wrappingTextBoxFlag xmlns="" xmlns:m="http://schemas.openxmlformats.org/officeDocument/2006/math" xmlns:a14="http://schemas.microsoft.com/office/drawing/2010/main" xmlns:ma14="http://schemas.microsoft.com/office/mac/drawingml/2011/main" val="1"/>
+              <ma14:wrappingTextBoxFlag xmlns:ma14="http://schemas.microsoft.com/office/mac/drawingml/2011/main" xmlns:a14="http://schemas.microsoft.com/office/drawing/2010/main" xmlns:m="http://schemas.openxmlformats.org/officeDocument/2006/math" xmlns="" val="1"/>
             </a:ext>
           </a:extLst>
         </p:spPr>
@@ -2463,7 +2470,7 @@
           </a:ln>
           <a:extLst>
             <a:ext uri="{C572A759-6A51-4108-AA02-DFA0A04FC94B}">
-              <ma14:wrappingTextBoxFlag xmlns="" xmlns:m="http://schemas.openxmlformats.org/officeDocument/2006/math" xmlns:a14="http://schemas.microsoft.com/office/drawing/2010/main" xmlns:ma14="http://schemas.microsoft.com/office/mac/drawingml/2011/main" val="1"/>
+              <ma14:wrappingTextBoxFlag xmlns:ma14="http://schemas.microsoft.com/office/mac/drawingml/2011/main" xmlns:a14="http://schemas.microsoft.com/office/drawing/2010/main" xmlns:m="http://schemas.openxmlformats.org/officeDocument/2006/math" xmlns="" val="1"/>
             </a:ext>
           </a:extLst>
         </p:spPr>
@@ -2638,7 +2645,7 @@
           <a:p>
             <a:fld id="{1D8BD707-D9CF-40AE-B4C6-C98DA3205C09}" type="datetimeFigureOut">
               <a:rPr lang="en-US"/>
-              <a:t>6/2/2021</a:t>
+              <a:t>1/25/2022</a:t>
             </a:fld>
             <a:endParaRPr lang="en-US"/>
           </a:p>
@@ -2976,7 +2983,7 @@
           </a:ln>
           <a:extLst>
             <a:ext uri="{C572A759-6A51-4108-AA02-DFA0A04FC94B}">
-              <ma14:wrappingTextBoxFlag xmlns="" xmlns:m="http://schemas.openxmlformats.org/officeDocument/2006/math" xmlns:a14="http://schemas.microsoft.com/office/drawing/2010/main" xmlns:ma14="http://schemas.microsoft.com/office/mac/drawingml/2011/main" val="1"/>
+              <ma14:wrappingTextBoxFlag xmlns:ma14="http://schemas.microsoft.com/office/mac/drawingml/2011/main" xmlns:a14="http://schemas.microsoft.com/office/drawing/2010/main" xmlns:m="http://schemas.openxmlformats.org/officeDocument/2006/math" xmlns="" val="1"/>
             </a:ext>
           </a:extLst>
         </p:spPr>
@@ -3218,7 +3225,7 @@
           </a:ln>
           <a:extLst>
             <a:ext uri="{C572A759-6A51-4108-AA02-DFA0A04FC94B}">
-              <ma14:wrappingTextBoxFlag xmlns="" xmlns:m="http://schemas.openxmlformats.org/officeDocument/2006/math" xmlns:a14="http://schemas.microsoft.com/office/drawing/2010/main" xmlns:ma14="http://schemas.microsoft.com/office/mac/drawingml/2011/main" val="1"/>
+              <ma14:wrappingTextBoxFlag xmlns:ma14="http://schemas.microsoft.com/office/mac/drawingml/2011/main" xmlns:a14="http://schemas.microsoft.com/office/drawing/2010/main" xmlns:m="http://schemas.openxmlformats.org/officeDocument/2006/math" xmlns="" val="1"/>
             </a:ext>
           </a:extLst>
         </p:spPr>
@@ -3387,7 +3394,7 @@
           </a:ln>
           <a:extLst>
             <a:ext uri="{C572A759-6A51-4108-AA02-DFA0A04FC94B}">
-              <ma14:wrappingTextBoxFlag xmlns="" xmlns:m="http://schemas.openxmlformats.org/officeDocument/2006/math" xmlns:a14="http://schemas.microsoft.com/office/drawing/2010/main" xmlns:ma14="http://schemas.microsoft.com/office/mac/drawingml/2011/main" val="1"/>
+              <ma14:wrappingTextBoxFlag xmlns:ma14="http://schemas.microsoft.com/office/mac/drawingml/2011/main" xmlns:a14="http://schemas.microsoft.com/office/drawing/2010/main" xmlns:m="http://schemas.openxmlformats.org/officeDocument/2006/math" xmlns="" val="1"/>
             </a:ext>
           </a:extLst>
         </p:spPr>
@@ -3629,7 +3636,7 @@
           </a:ln>
           <a:extLst>
             <a:ext uri="{C572A759-6A51-4108-AA02-DFA0A04FC94B}">
-              <ma14:wrappingTextBoxFlag xmlns="" xmlns:m="http://schemas.openxmlformats.org/officeDocument/2006/math" xmlns:a14="http://schemas.microsoft.com/office/drawing/2010/main" xmlns:ma14="http://schemas.microsoft.com/office/mac/drawingml/2011/main" val="1"/>
+              <ma14:wrappingTextBoxFlag xmlns:ma14="http://schemas.microsoft.com/office/mac/drawingml/2011/main" xmlns:a14="http://schemas.microsoft.com/office/drawing/2010/main" xmlns:m="http://schemas.openxmlformats.org/officeDocument/2006/math" xmlns="" val="1"/>
             </a:ext>
           </a:extLst>
         </p:spPr>
@@ -3923,7 +3930,7 @@
           </a:ln>
           <a:extLst>
             <a:ext uri="{C572A759-6A51-4108-AA02-DFA0A04FC94B}">
-              <ma14:wrappingTextBoxFlag xmlns="" xmlns:m="http://schemas.openxmlformats.org/officeDocument/2006/math" xmlns:a14="http://schemas.microsoft.com/office/drawing/2010/main" xmlns:ma14="http://schemas.microsoft.com/office/mac/drawingml/2011/main" val="1"/>
+              <ma14:wrappingTextBoxFlag xmlns:ma14="http://schemas.microsoft.com/office/mac/drawingml/2011/main" xmlns:a14="http://schemas.microsoft.com/office/drawing/2010/main" xmlns:m="http://schemas.openxmlformats.org/officeDocument/2006/math" xmlns="" val="1"/>
             </a:ext>
           </a:extLst>
         </p:spPr>
@@ -4217,7 +4224,7 @@
           </a:ln>
           <a:extLst>
             <a:ext uri="{C572A759-6A51-4108-AA02-DFA0A04FC94B}">
-              <ma14:wrappingTextBoxFlag xmlns="" xmlns:m="http://schemas.openxmlformats.org/officeDocument/2006/math" xmlns:a14="http://schemas.microsoft.com/office/drawing/2010/main" xmlns:ma14="http://schemas.microsoft.com/office/mac/drawingml/2011/main" val="1"/>
+              <ma14:wrappingTextBoxFlag xmlns:ma14="http://schemas.microsoft.com/office/mac/drawingml/2011/main" xmlns:a14="http://schemas.microsoft.com/office/drawing/2010/main" xmlns:m="http://schemas.openxmlformats.org/officeDocument/2006/math" xmlns="" val="1"/>
             </a:ext>
           </a:extLst>
         </p:spPr>
@@ -4511,7 +4518,7 @@
           </a:ln>
           <a:extLst>
             <a:ext uri="{C572A759-6A51-4108-AA02-DFA0A04FC94B}">
-              <ma14:wrappingTextBoxFlag xmlns="" xmlns:m="http://schemas.openxmlformats.org/officeDocument/2006/math" xmlns:a14="http://schemas.microsoft.com/office/drawing/2010/main" xmlns:ma14="http://schemas.microsoft.com/office/mac/drawingml/2011/main" val="1"/>
+              <ma14:wrappingTextBoxFlag xmlns:ma14="http://schemas.microsoft.com/office/mac/drawingml/2011/main" xmlns:a14="http://schemas.microsoft.com/office/drawing/2010/main" xmlns:m="http://schemas.openxmlformats.org/officeDocument/2006/math" xmlns="" val="1"/>
             </a:ext>
           </a:extLst>
         </p:spPr>
@@ -5213,28 +5220,7 @@
                 <a:ea typeface="Verdana" panose="020B0604030504040204" pitchFamily="34" charset="0"/>
                 <a:cs typeface="Verdana" panose="020B0604030504040204" pitchFamily="34" charset="0"/>
               </a:rPr>
-              <a:t>Presentation Template </a:t>
-            </a:r>
-            <a:br>
-              <a:rPr lang="en-US" sz="2200" b="1" dirty="0">
-                <a:solidFill>
-                  <a:srgbClr val="FFFF00"/>
-                </a:solidFill>
-                <a:latin typeface="Verdana" panose="020B0604030504040204" pitchFamily="34" charset="0"/>
-                <a:ea typeface="Verdana" panose="020B0604030504040204" pitchFamily="34" charset="0"/>
-                <a:cs typeface="Verdana" panose="020B0604030504040204" pitchFamily="34" charset="0"/>
-              </a:rPr>
-            </a:br>
-            <a:r>
-              <a:rPr lang="en-US" sz="1300" b="1" dirty="0">
-                <a:solidFill>
-                  <a:srgbClr val="FFFF00"/>
-                </a:solidFill>
-                <a:latin typeface="Verdana" panose="020B0604030504040204" pitchFamily="34" charset="0"/>
-                <a:ea typeface="Verdana" panose="020B0604030504040204" pitchFamily="34" charset="0"/>
-                <a:cs typeface="Verdana" panose="020B0604030504040204" pitchFamily="34" charset="0"/>
-              </a:rPr>
-              <a:t>(replace for pattern name)</a:t>
+              <a:t>Design Pattern: Mediator</a:t>
             </a:r>
             <a:endParaRPr lang="en-US" sz="2200" dirty="0">
               <a:solidFill>
@@ -5355,10 +5341,102 @@
       </p:pic>
       <p:sp>
         <p:nvSpPr>
-          <p:cNvPr id="9" name="TextBox 8">
-            <a:extLst>
-              <a:ext uri="{FF2B5EF4-FFF2-40B4-BE49-F238E27FC236}">
-                <a16:creationId xmlns:a16="http://schemas.microsoft.com/office/drawing/2014/main" id="{89B56C39-9A91-8F4F-9AF9-BFCBAD7500CA}"/>
+          <p:cNvPr id="3" name="TextBox 2">
+            <a:extLst>
+              <a:ext uri="{FF2B5EF4-FFF2-40B4-BE49-F238E27FC236}">
+                <a16:creationId xmlns:a16="http://schemas.microsoft.com/office/drawing/2014/main" id="{A9BB4B3B-B59F-4579-910A-41EF912D001A}"/>
+              </a:ext>
+            </a:extLst>
+          </p:cNvPr>
+          <p:cNvSpPr txBox="1"/>
+          <p:nvPr/>
+        </p:nvSpPr>
+        <p:spPr>
+          <a:xfrm>
+            <a:off x="400184" y="3128057"/>
+            <a:ext cx="2246962" cy="461665"/>
+          </a:xfrm>
+          <a:prstGeom prst="rect">
+            <a:avLst/>
+          </a:prstGeom>
+          <a:noFill/>
+        </p:spPr>
+        <p:txBody>
+          <a:bodyPr wrap="none" rtlCol="0">
+            <a:spAutoFit/>
+          </a:bodyPr>
+          <a:lstStyle/>
+          <a:p>
+            <a:pPr algn="ctr"/>
+            <a:r>
+              <a:rPr lang="en-US" sz="2400" b="1">
+                <a:solidFill>
+                  <a:schemeClr val="bg1"/>
+                </a:solidFill>
+              </a:rPr>
+              <a:t>Implementation</a:t>
+            </a:r>
+            <a:endParaRPr lang="en-US" sz="2400" b="1" dirty="0">
+              <a:solidFill>
+                <a:schemeClr val="bg1"/>
+              </a:solidFill>
+            </a:endParaRPr>
+          </a:p>
+        </p:txBody>
+      </p:sp>
+      <p:pic>
+        <p:nvPicPr>
+          <p:cNvPr id="5122" name="Picture 2">
+            <a:extLst>
+              <a:ext uri="{FF2B5EF4-FFF2-40B4-BE49-F238E27FC236}">
+                <a16:creationId xmlns:a16="http://schemas.microsoft.com/office/drawing/2014/main" id="{7B840357-8C02-4D13-96E0-BD66C168BE88}"/>
+              </a:ext>
+            </a:extLst>
+          </p:cNvPr>
+          <p:cNvPicPr>
+            <a:picLocks noChangeAspect="1" noChangeArrowheads="1"/>
+          </p:cNvPicPr>
+          <p:nvPr/>
+        </p:nvPicPr>
+        <p:blipFill>
+          <a:blip r:embed="rId4">
+            <a:extLst>
+              <a:ext uri="{28A0092B-C50C-407E-A947-70E740481C1C}">
+                <a14:useLocalDpi xmlns:a14="http://schemas.microsoft.com/office/drawing/2010/main" val="0"/>
+              </a:ext>
+            </a:extLst>
+          </a:blip>
+          <a:srcRect/>
+          <a:stretch>
+            <a:fillRect/>
+          </a:stretch>
+        </p:blipFill>
+        <p:spPr bwMode="auto">
+          <a:xfrm>
+            <a:off x="3123437" y="1719263"/>
+            <a:ext cx="5934075" cy="1704975"/>
+          </a:xfrm>
+          <a:prstGeom prst="rect">
+            <a:avLst/>
+          </a:prstGeom>
+          <a:noFill/>
+          <a:extLst>
+            <a:ext uri="{909E8E84-426E-40DD-AFC4-6F175D3DCCD1}">
+              <a14:hiddenFill xmlns:a14="http://schemas.microsoft.com/office/drawing/2010/main">
+                <a:solidFill>
+                  <a:srgbClr val="FFFFFF"/>
+                </a:solidFill>
+              </a14:hiddenFill>
+            </a:ext>
+          </a:extLst>
+        </p:spPr>
+      </p:pic>
+      <p:sp>
+        <p:nvSpPr>
+          <p:cNvPr id="8" name="TextBox 7">
+            <a:extLst>
+              <a:ext uri="{FF2B5EF4-FFF2-40B4-BE49-F238E27FC236}">
+                <a16:creationId xmlns:a16="http://schemas.microsoft.com/office/drawing/2014/main" id="{E65868E6-BE9B-4FEC-9616-33C809819317}"/>
               </a:ext>
             </a:extLst>
           </p:cNvPr>
@@ -5409,17 +5487,17 @@
                 </a:solidFill>
                 <a:latin typeface="+mn-lt"/>
               </a:rPr>
-              <a:t>(Pattern)</a:t>
-            </a:r>
-          </a:p>
-        </p:txBody>
-      </p:sp>
-      <p:sp>
-        <p:nvSpPr>
-          <p:cNvPr id="3" name="TextBox 2">
-            <a:extLst>
-              <a:ext uri="{FF2B5EF4-FFF2-40B4-BE49-F238E27FC236}">
-                <a16:creationId xmlns:a16="http://schemas.microsoft.com/office/drawing/2014/main" id="{A9BB4B3B-B59F-4579-910A-41EF912D001A}"/>
+              <a:t>Mediator</a:t>
+            </a:r>
+          </a:p>
+        </p:txBody>
+      </p:sp>
+      <p:sp>
+        <p:nvSpPr>
+          <p:cNvPr id="10" name="TextBox 9">
+            <a:extLst>
+              <a:ext uri="{FF2B5EF4-FFF2-40B4-BE49-F238E27FC236}">
+                <a16:creationId xmlns:a16="http://schemas.microsoft.com/office/drawing/2014/main" id="{A7692105-A324-457C-9F11-9EFA1059EBB2}"/>
               </a:ext>
             </a:extLst>
           </p:cNvPr>
@@ -5428,8 +5506,8 @@
         </p:nvSpPr>
         <p:spPr>
           <a:xfrm>
-            <a:off x="400184" y="3128057"/>
-            <a:ext cx="2246962" cy="461665"/>
+            <a:off x="91395" y="246614"/>
+            <a:ext cx="2661178" cy="523220"/>
           </a:xfrm>
           <a:prstGeom prst="rect">
             <a:avLst/>
@@ -5442,59 +5520,6 @@
           </a:bodyPr>
           <a:lstStyle/>
           <a:p>
-            <a:pPr algn="ctr"/>
-            <a:r>
-              <a:rPr lang="en-US" sz="2400" b="1">
-                <a:solidFill>
-                  <a:schemeClr val="bg1"/>
-                </a:solidFill>
-              </a:rPr>
-              <a:t>Implementation</a:t>
-            </a:r>
-            <a:endParaRPr lang="en-US" sz="2400" b="1" dirty="0">
-              <a:solidFill>
-                <a:schemeClr val="bg1"/>
-              </a:solidFill>
-            </a:endParaRPr>
-          </a:p>
-        </p:txBody>
-      </p:sp>
-      <p:sp>
-        <p:nvSpPr>
-          <p:cNvPr id="15" name="TextBox 14">
-            <a:extLst>
-              <a:ext uri="{FF2B5EF4-FFF2-40B4-BE49-F238E27FC236}">
-                <a16:creationId xmlns:a16="http://schemas.microsoft.com/office/drawing/2014/main" id="{0CA3A5F9-0B96-4275-8B63-B57EB9824454}"/>
-              </a:ext>
-            </a:extLst>
-          </p:cNvPr>
-          <p:cNvSpPr txBox="1"/>
-          <p:nvPr/>
-        </p:nvSpPr>
-        <p:spPr>
-          <a:xfrm>
-            <a:off x="91395" y="246614"/>
-            <a:ext cx="2237151" cy="954107"/>
-          </a:xfrm>
-          <a:prstGeom prst="rect">
-            <a:avLst/>
-          </a:prstGeom>
-          <a:noFill/>
-        </p:spPr>
-        <p:txBody>
-          <a:bodyPr wrap="none" rtlCol="0">
-            <a:spAutoFit/>
-          </a:bodyPr>
-          <a:lstStyle/>
-          <a:p>
-            <a:r>
-              <a:rPr lang="es-MX" sz="2800" b="1" dirty="0">
-                <a:solidFill>
-                  <a:srgbClr val="FFFF00"/>
-                </a:solidFill>
-              </a:rPr>
-              <a:t>(</a:t>
-            </a:r>
             <a:r>
               <a:rPr lang="es-MX" sz="2800" b="1" dirty="0" err="1">
                 <a:solidFill>
@@ -5509,25 +5534,15 @@
                   <a:srgbClr val="FFFF00"/>
                 </a:solidFill>
               </a:rPr>
-              <a:t>)</a:t>
-            </a:r>
-          </a:p>
-          <a:p>
-            <a:r>
-              <a:rPr lang="es-MX" sz="2800" b="1" dirty="0">
+              <a:t>: </a:t>
+            </a:r>
+            <a:r>
+              <a:rPr lang="es-MX" sz="2800" b="1" dirty="0" err="1">
                 <a:solidFill>
                   <a:srgbClr val="FFFF00"/>
                 </a:solidFill>
               </a:rPr>
-              <a:t>Ex. </a:t>
-            </a:r>
-            <a:r>
-              <a:rPr lang="es-MX" sz="2800" b="1" dirty="0" err="1">
-                <a:solidFill>
-                  <a:srgbClr val="FFFF00"/>
-                </a:solidFill>
-              </a:rPr>
-              <a:t>Creational</a:t>
+              <a:t>Behavioral</a:t>
             </a:r>
             <a:endParaRPr lang="en-US" sz="2800" b="1" dirty="0">
               <a:solidFill>
@@ -5648,10 +5663,115 @@
       </p:pic>
       <p:sp>
         <p:nvSpPr>
-          <p:cNvPr id="9" name="TextBox 8">
-            <a:extLst>
-              <a:ext uri="{FF2B5EF4-FFF2-40B4-BE49-F238E27FC236}">
-                <a16:creationId xmlns:a16="http://schemas.microsoft.com/office/drawing/2014/main" id="{89B56C39-9A91-8F4F-9AF9-BFCBAD7500CA}"/>
+          <p:cNvPr id="3" name="TextBox 2">
+            <a:extLst>
+              <a:ext uri="{FF2B5EF4-FFF2-40B4-BE49-F238E27FC236}">
+                <a16:creationId xmlns:a16="http://schemas.microsoft.com/office/drawing/2014/main" id="{A9BB4B3B-B59F-4579-910A-41EF912D001A}"/>
+              </a:ext>
+            </a:extLst>
+          </p:cNvPr>
+          <p:cNvSpPr txBox="1"/>
+          <p:nvPr/>
+        </p:nvSpPr>
+        <p:spPr>
+          <a:xfrm>
+            <a:off x="538460" y="3126968"/>
+            <a:ext cx="1970411" cy="461665"/>
+          </a:xfrm>
+          <a:prstGeom prst="rect">
+            <a:avLst/>
+          </a:prstGeom>
+          <a:noFill/>
+        </p:spPr>
+        <p:txBody>
+          <a:bodyPr wrap="none" rtlCol="0">
+            <a:spAutoFit/>
+          </a:bodyPr>
+          <a:lstStyle/>
+          <a:p>
+            <a:pPr algn="ctr"/>
+            <a:r>
+              <a:rPr lang="en-US" sz="2400" b="1">
+                <a:solidFill>
+                  <a:schemeClr val="bg1"/>
+                </a:solidFill>
+              </a:rPr>
+              <a:t>Code Samples</a:t>
+            </a:r>
+            <a:endParaRPr lang="en-US" sz="2400" b="1" dirty="0">
+              <a:solidFill>
+                <a:schemeClr val="bg1"/>
+              </a:solidFill>
+            </a:endParaRPr>
+          </a:p>
+        </p:txBody>
+      </p:sp>
+      <p:sp>
+        <p:nvSpPr>
+          <p:cNvPr id="7" name="TextBox 6">
+            <a:extLst>
+              <a:ext uri="{FF2B5EF4-FFF2-40B4-BE49-F238E27FC236}">
+                <a16:creationId xmlns:a16="http://schemas.microsoft.com/office/drawing/2014/main" id="{F6786642-694C-4741-A5C8-14A1FED2BEB3}"/>
+              </a:ext>
+            </a:extLst>
+          </p:cNvPr>
+          <p:cNvSpPr txBox="1"/>
+          <p:nvPr/>
+        </p:nvSpPr>
+        <p:spPr>
+          <a:xfrm>
+            <a:off x="91395" y="246614"/>
+            <a:ext cx="2661178" cy="523220"/>
+          </a:xfrm>
+          <a:prstGeom prst="rect">
+            <a:avLst/>
+          </a:prstGeom>
+          <a:noFill/>
+        </p:spPr>
+        <p:txBody>
+          <a:bodyPr wrap="none" rtlCol="0">
+            <a:spAutoFit/>
+          </a:bodyPr>
+          <a:lstStyle/>
+          <a:p>
+            <a:r>
+              <a:rPr lang="es-MX" sz="2800" b="1" dirty="0" err="1">
+                <a:solidFill>
+                  <a:srgbClr val="FFFF00"/>
+                </a:solidFill>
+              </a:rPr>
+              <a:t>Type</a:t>
+            </a:r>
+            <a:r>
+              <a:rPr lang="es-MX" sz="2800" b="1" dirty="0">
+                <a:solidFill>
+                  <a:srgbClr val="FFFF00"/>
+                </a:solidFill>
+              </a:rPr>
+              <a:t>: </a:t>
+            </a:r>
+            <a:r>
+              <a:rPr lang="es-MX" sz="2800" b="1" dirty="0" err="1">
+                <a:solidFill>
+                  <a:srgbClr val="FFFF00"/>
+                </a:solidFill>
+              </a:rPr>
+              <a:t>Behavioral</a:t>
+            </a:r>
+            <a:endParaRPr lang="en-US" sz="2800" b="1" dirty="0">
+              <a:solidFill>
+                <a:srgbClr val="FFFF00"/>
+              </a:solidFill>
+            </a:endParaRPr>
+          </a:p>
+        </p:txBody>
+      </p:sp>
+      <p:sp>
+        <p:nvSpPr>
+          <p:cNvPr id="10" name="TextBox 9">
+            <a:extLst>
+              <a:ext uri="{FF2B5EF4-FFF2-40B4-BE49-F238E27FC236}">
+                <a16:creationId xmlns:a16="http://schemas.microsoft.com/office/drawing/2014/main" id="{99AD7373-3B6B-4C51-9609-EAB65B8171A6}"/>
               </a:ext>
             </a:extLst>
           </p:cNvPr>
@@ -5702,134 +5822,48 @@
                 </a:solidFill>
                 <a:latin typeface="+mn-lt"/>
               </a:rPr>
-              <a:t>(Pattern)</a:t>
-            </a:r>
-          </a:p>
-        </p:txBody>
-      </p:sp>
-      <p:sp>
-        <p:nvSpPr>
-          <p:cNvPr id="3" name="TextBox 2">
-            <a:extLst>
-              <a:ext uri="{FF2B5EF4-FFF2-40B4-BE49-F238E27FC236}">
-                <a16:creationId xmlns:a16="http://schemas.microsoft.com/office/drawing/2014/main" id="{A9BB4B3B-B59F-4579-910A-41EF912D001A}"/>
-              </a:ext>
-            </a:extLst>
-          </p:cNvPr>
-          <p:cNvSpPr txBox="1"/>
+              <a:t>Mediator</a:t>
+            </a:r>
+          </a:p>
+        </p:txBody>
+      </p:sp>
+      <p:pic>
+        <p:nvPicPr>
+          <p:cNvPr id="6" name="Picture 5" descr="Shape&#10;&#10;Description automatically generated with low confidence">
+            <a:hlinkClick r:id="rId4"/>
+            <a:extLst>
+              <a:ext uri="{FF2B5EF4-FFF2-40B4-BE49-F238E27FC236}">
+                <a16:creationId xmlns:a16="http://schemas.microsoft.com/office/drawing/2014/main" id="{BF946194-9FE7-4397-8AF6-DD9B777C70F4}"/>
+              </a:ext>
+            </a:extLst>
+          </p:cNvPr>
+          <p:cNvPicPr>
+            <a:picLocks noChangeAspect="1"/>
+          </p:cNvPicPr>
           <p:nvPr/>
-        </p:nvSpPr>
-        <p:spPr>
-          <a:xfrm>
-            <a:off x="538460" y="3126968"/>
-            <a:ext cx="1970411" cy="461665"/>
+        </p:nvPicPr>
+        <p:blipFill>
+          <a:blip r:embed="rId5">
+            <a:extLst>
+              <a:ext uri="{28A0092B-C50C-407E-A947-70E740481C1C}">
+                <a14:useLocalDpi xmlns:a14="http://schemas.microsoft.com/office/drawing/2010/main" val="0"/>
+              </a:ext>
+            </a:extLst>
+          </a:blip>
+          <a:stretch>
+            <a:fillRect/>
+          </a:stretch>
+        </p:blipFill>
+        <p:spPr>
+          <a:xfrm>
+            <a:off x="4824483" y="1242947"/>
+            <a:ext cx="2657606" cy="2657606"/>
           </a:xfrm>
           <a:prstGeom prst="rect">
             <a:avLst/>
           </a:prstGeom>
-          <a:noFill/>
-        </p:spPr>
-        <p:txBody>
-          <a:bodyPr wrap="none" rtlCol="0">
-            <a:spAutoFit/>
-          </a:bodyPr>
-          <a:lstStyle/>
-          <a:p>
-            <a:pPr algn="ctr"/>
-            <a:r>
-              <a:rPr lang="en-US" sz="2400" b="1">
-                <a:solidFill>
-                  <a:schemeClr val="bg1"/>
-                </a:solidFill>
-              </a:rPr>
-              <a:t>Code Samples</a:t>
-            </a:r>
-            <a:endParaRPr lang="en-US" sz="2400" b="1" dirty="0">
-              <a:solidFill>
-                <a:schemeClr val="bg1"/>
-              </a:solidFill>
-            </a:endParaRPr>
-          </a:p>
-        </p:txBody>
-      </p:sp>
-      <p:sp>
-        <p:nvSpPr>
-          <p:cNvPr id="15" name="TextBox 14">
-            <a:extLst>
-              <a:ext uri="{FF2B5EF4-FFF2-40B4-BE49-F238E27FC236}">
-                <a16:creationId xmlns:a16="http://schemas.microsoft.com/office/drawing/2014/main" id="{0CA3A5F9-0B96-4275-8B63-B57EB9824454}"/>
-              </a:ext>
-            </a:extLst>
-          </p:cNvPr>
-          <p:cNvSpPr txBox="1"/>
-          <p:nvPr/>
-        </p:nvSpPr>
-        <p:spPr>
-          <a:xfrm>
-            <a:off x="91395" y="246614"/>
-            <a:ext cx="2237151" cy="954107"/>
-          </a:xfrm>
-          <a:prstGeom prst="rect">
-            <a:avLst/>
-          </a:prstGeom>
-          <a:noFill/>
-        </p:spPr>
-        <p:txBody>
-          <a:bodyPr wrap="none" rtlCol="0">
-            <a:spAutoFit/>
-          </a:bodyPr>
-          <a:lstStyle/>
-          <a:p>
-            <a:r>
-              <a:rPr lang="es-MX" sz="2800" b="1" dirty="0">
-                <a:solidFill>
-                  <a:srgbClr val="FFFF00"/>
-                </a:solidFill>
-              </a:rPr>
-              <a:t>(</a:t>
-            </a:r>
-            <a:r>
-              <a:rPr lang="es-MX" sz="2800" b="1" dirty="0" err="1">
-                <a:solidFill>
-                  <a:srgbClr val="FFFF00"/>
-                </a:solidFill>
-              </a:rPr>
-              <a:t>Type</a:t>
-            </a:r>
-            <a:r>
-              <a:rPr lang="es-MX" sz="2800" b="1" dirty="0">
-                <a:solidFill>
-                  <a:srgbClr val="FFFF00"/>
-                </a:solidFill>
-              </a:rPr>
-              <a:t>)</a:t>
-            </a:r>
-          </a:p>
-          <a:p>
-            <a:r>
-              <a:rPr lang="es-MX" sz="2800" b="1" dirty="0">
-                <a:solidFill>
-                  <a:srgbClr val="FFFF00"/>
-                </a:solidFill>
-              </a:rPr>
-              <a:t>Ex. </a:t>
-            </a:r>
-            <a:r>
-              <a:rPr lang="es-MX" sz="2800" b="1" dirty="0" err="1">
-                <a:solidFill>
-                  <a:srgbClr val="FFFF00"/>
-                </a:solidFill>
-              </a:rPr>
-              <a:t>Creational</a:t>
-            </a:r>
-            <a:endParaRPr lang="en-US" sz="2800" b="1" dirty="0">
-              <a:solidFill>
-                <a:srgbClr val="FFFF00"/>
-              </a:solidFill>
-            </a:endParaRPr>
-          </a:p>
-        </p:txBody>
-      </p:sp>
+        </p:spPr>
+      </p:pic>
     </p:spTree>
     <p:extLst>
       <p:ext uri="{BB962C8B-B14F-4D97-AF65-F5344CB8AC3E}">
@@ -6143,14 +6177,96 @@
           </a:lstStyle>
           <a:p>
             <a:r>
+              <a:rPr lang="en-US" b="1" dirty="0" err="1">
+                <a:solidFill>
+                  <a:srgbClr val="FF0000"/>
+                </a:solidFill>
+              </a:rPr>
+              <a:t>Refactoring.Guru</a:t>
+            </a:r>
+            <a:r>
               <a:rPr lang="en-US" b="1" dirty="0">
                 <a:solidFill>
                   <a:srgbClr val="FF0000"/>
                 </a:solidFill>
               </a:rPr>
-              <a:t>(Add references and resources)</a:t>
-            </a:r>
-            <a:endParaRPr lang="en-US" dirty="0">
+              <a:t>. (n.d.). </a:t>
+            </a:r>
+            <a:r>
+              <a:rPr lang="en-US" b="1" i="1" dirty="0">
+                <a:solidFill>
+                  <a:srgbClr val="FF0000"/>
+                </a:solidFill>
+              </a:rPr>
+              <a:t>Mediator.</a:t>
+            </a:r>
+            <a:r>
+              <a:rPr lang="en-US" b="1" dirty="0">
+                <a:solidFill>
+                  <a:srgbClr val="FF0000"/>
+                </a:solidFill>
+              </a:rPr>
+              <a:t> Retrieved January 25, 2022, from </a:t>
+            </a:r>
+            <a:r>
+              <a:rPr lang="en-US" b="1" dirty="0">
+                <a:solidFill>
+                  <a:srgbClr val="FF0000"/>
+                </a:solidFill>
+                <a:hlinkClick r:id="rId4"/>
+              </a:rPr>
+              <a:t>https://refactoring.guru/design-patterns/mediator</a:t>
+            </a:r>
+            <a:endParaRPr lang="en-US" b="1" dirty="0">
+              <a:solidFill>
+                <a:srgbClr val="FF0000"/>
+              </a:solidFill>
+            </a:endParaRPr>
+          </a:p>
+          <a:p>
+            <a:r>
+              <a:rPr lang="en-US" b="1" dirty="0">
+                <a:solidFill>
+                  <a:srgbClr val="FF0000"/>
+                </a:solidFill>
+              </a:rPr>
+              <a:t>Diagrams: </a:t>
+            </a:r>
+            <a:r>
+              <a:rPr lang="en-US" b="1" dirty="0">
+                <a:solidFill>
+                  <a:srgbClr val="FF0000"/>
+                </a:solidFill>
+                <a:hlinkClick r:id="rId5"/>
+              </a:rPr>
+              <a:t>https://app.diagrams.net/</a:t>
+            </a:r>
+            <a:endParaRPr lang="en-US" b="1" dirty="0">
+              <a:solidFill>
+                <a:srgbClr val="FF0000"/>
+              </a:solidFill>
+            </a:endParaRPr>
+          </a:p>
+          <a:p>
+            <a:r>
+              <a:rPr lang="en-US" b="1" dirty="0" err="1">
+                <a:solidFill>
+                  <a:srgbClr val="FF0000"/>
+                </a:solidFill>
+                <a:hlinkClick r:id="rId6"/>
+              </a:rPr>
+              <a:t>Github</a:t>
+            </a:r>
+            <a:r>
+              <a:rPr lang="en-US" b="1" dirty="0">
+                <a:solidFill>
+                  <a:srgbClr val="FF0000"/>
+                </a:solidFill>
+                <a:hlinkClick r:id="rId6"/>
+              </a:rPr>
+              <a:t> logo</a:t>
+            </a:r>
+            <a:endParaRPr lang="en-US" b="1" dirty="0">
               <a:solidFill>
                 <a:srgbClr val="FF0000"/>
               </a:solidFill>
@@ -6321,8 +6437,8 @@
         </p:nvSpPr>
         <p:spPr>
           <a:xfrm>
-            <a:off x="-66293" y="157396"/>
-            <a:ext cx="3192308" cy="3785652"/>
+            <a:off x="-66293" y="1294478"/>
+            <a:ext cx="3192308" cy="2554545"/>
           </a:xfrm>
           <a:prstGeom prst="rect">
             <a:avLst/>
@@ -6342,37 +6458,52 @@
                   <a:schemeClr val="bg1"/>
                 </a:solidFill>
               </a:rPr>
-              <a:t>Object - Oriented</a:t>
+              <a:t>Mediator</a:t>
             </a:r>
             <a:br>
-              <a:rPr lang="en-US" sz="4000" dirty="0">
+              <a:rPr lang="en-US" sz="4000" b="1" dirty="0">
                 <a:solidFill>
                   <a:schemeClr val="bg1"/>
                 </a:solidFill>
               </a:rPr>
             </a:br>
             <a:r>
-              <a:rPr lang="en-US" sz="4000" dirty="0">
+              <a:rPr lang="en-US" sz="4000" b="1" dirty="0">
                 <a:solidFill>
                   <a:schemeClr val="bg1"/>
                 </a:solidFill>
               </a:rPr>
-              <a:t>Software Design</a:t>
+              <a:t>Design</a:t>
             </a:r>
             <a:br>
-              <a:rPr lang="en-US" sz="4000" dirty="0">
+              <a:rPr lang="en-US" sz="4000" b="1" dirty="0">
                 <a:solidFill>
                   <a:schemeClr val="bg1"/>
                 </a:solidFill>
               </a:rPr>
             </a:br>
             <a:r>
-              <a:rPr lang="en-US" sz="4000" dirty="0">
+              <a:rPr lang="en-US" sz="4000" b="1" dirty="0">
                 <a:solidFill>
                   <a:schemeClr val="bg1"/>
                 </a:solidFill>
               </a:rPr>
-              <a:t>Patterns Review</a:t>
+              <a:t>Pattern</a:t>
+            </a:r>
+            <a:br>
+              <a:rPr lang="en-US" sz="4000" b="1" dirty="0">
+                <a:solidFill>
+                  <a:schemeClr val="bg1"/>
+                </a:solidFill>
+              </a:rPr>
+            </a:br>
+            <a:r>
+              <a:rPr lang="en-US" sz="4000" b="1" dirty="0">
+                <a:solidFill>
+                  <a:schemeClr val="bg1"/>
+                </a:solidFill>
+              </a:rPr>
+              <a:t>Overview</a:t>
             </a:r>
             <a:endParaRPr lang="en-US" sz="4000" dirty="0">
               <a:solidFill>
@@ -6385,284 +6516,52 @@
       </p:sp>
       <p:sp>
         <p:nvSpPr>
-          <p:cNvPr id="8" name="Content Placeholder 5">
-            <a:extLst>
-              <a:ext uri="{FF2B5EF4-FFF2-40B4-BE49-F238E27FC236}">
-                <a16:creationId xmlns:a16="http://schemas.microsoft.com/office/drawing/2014/main" id="{EEEA768A-9297-415C-99B9-AA26460A2C2B}"/>
-              </a:ext>
-            </a:extLst>
-          </p:cNvPr>
-          <p:cNvSpPr txBox="1">
-            <a:spLocks/>
-          </p:cNvSpPr>
+          <p:cNvPr id="3" name="TextBox 2">
+            <a:extLst>
+              <a:ext uri="{FF2B5EF4-FFF2-40B4-BE49-F238E27FC236}">
+                <a16:creationId xmlns:a16="http://schemas.microsoft.com/office/drawing/2014/main" id="{ED890F43-590A-4F9D-AFA6-0C79574FE2EE}"/>
+              </a:ext>
+            </a:extLst>
+          </p:cNvPr>
+          <p:cNvSpPr txBox="1"/>
           <p:nvPr/>
         </p:nvSpPr>
         <p:spPr>
           <a:xfrm>
-            <a:off x="3643424" y="641747"/>
-            <a:ext cx="4962508" cy="798433"/>
-          </a:xfrm>
-          <a:prstGeom prst="rect">
-            <a:avLst/>
-          </a:prstGeom>
-        </p:spPr>
-        <p:txBody>
-          <a:bodyPr vert="horz" lIns="91440" tIns="45720" rIns="91440" bIns="45720" rtlCol="0" anchor="ctr">
-            <a:normAutofit/>
-          </a:bodyPr>
-          <a:lstStyle>
-            <a:lvl1pPr marL="0" indent="0" algn="l" defTabSz="685800" rtl="0" eaLnBrk="1" latinLnBrk="0" hangingPunct="1">
-              <a:lnSpc>
-                <a:spcPct val="90000"/>
-              </a:lnSpc>
-              <a:spcBef>
-                <a:spcPts val="750"/>
-              </a:spcBef>
-              <a:buFont typeface="Arial" panose="020B0604020202020204" pitchFamily="34" charset="0"/>
-              <a:buNone/>
-              <a:defRPr sz="2100" b="1" i="0" kern="1200">
-                <a:solidFill>
-                  <a:schemeClr val="bg1"/>
-                </a:solidFill>
-                <a:latin typeface="ITC Avant Garde Gothic Demi" pitchFamily="2" charset="77"/>
-                <a:ea typeface="+mn-ea"/>
-                <a:cs typeface="+mn-cs"/>
-              </a:defRPr>
-            </a:lvl1pPr>
-            <a:lvl2pPr marL="514350" indent="-171450" algn="l" defTabSz="685800" rtl="0" eaLnBrk="1" latinLnBrk="0" hangingPunct="1">
-              <a:lnSpc>
-                <a:spcPct val="90000"/>
-              </a:lnSpc>
-              <a:spcBef>
-                <a:spcPts val="375"/>
-              </a:spcBef>
-              <a:buFont typeface="Arial" panose="020B0604020202020204" pitchFamily="34" charset="0"/>
-              <a:buChar char="•"/>
-              <a:defRPr sz="1800" kern="1200">
-                <a:solidFill>
-                  <a:schemeClr val="tx1"/>
-                </a:solidFill>
-                <a:latin typeface="+mn-lt"/>
-                <a:ea typeface="+mn-ea"/>
-                <a:cs typeface="+mn-cs"/>
-              </a:defRPr>
-            </a:lvl2pPr>
-            <a:lvl3pPr marL="857250" indent="-171450" algn="l" defTabSz="685800" rtl="0" eaLnBrk="1" latinLnBrk="0" hangingPunct="1">
-              <a:lnSpc>
-                <a:spcPct val="90000"/>
-              </a:lnSpc>
-              <a:spcBef>
-                <a:spcPts val="375"/>
-              </a:spcBef>
-              <a:buFont typeface="Arial" panose="020B0604020202020204" pitchFamily="34" charset="0"/>
-              <a:buChar char="•"/>
-              <a:defRPr sz="1500" kern="1200">
-                <a:solidFill>
-                  <a:schemeClr val="tx1"/>
-                </a:solidFill>
-                <a:latin typeface="+mn-lt"/>
-                <a:ea typeface="+mn-ea"/>
-                <a:cs typeface="+mn-cs"/>
-              </a:defRPr>
-            </a:lvl3pPr>
-            <a:lvl4pPr marL="1200150" indent="-171450" algn="l" defTabSz="685800" rtl="0" eaLnBrk="1" latinLnBrk="0" hangingPunct="1">
-              <a:lnSpc>
-                <a:spcPct val="90000"/>
-              </a:lnSpc>
-              <a:spcBef>
-                <a:spcPts val="375"/>
-              </a:spcBef>
-              <a:buFont typeface="Arial" panose="020B0604020202020204" pitchFamily="34" charset="0"/>
-              <a:buChar char="•"/>
-              <a:defRPr sz="1350" kern="1200">
-                <a:solidFill>
-                  <a:schemeClr val="tx1"/>
-                </a:solidFill>
-                <a:latin typeface="+mn-lt"/>
-                <a:ea typeface="+mn-ea"/>
-                <a:cs typeface="+mn-cs"/>
-              </a:defRPr>
-            </a:lvl4pPr>
-            <a:lvl5pPr marL="1543050" indent="-171450" algn="l" defTabSz="685800" rtl="0" eaLnBrk="1" latinLnBrk="0" hangingPunct="1">
-              <a:lnSpc>
-                <a:spcPct val="90000"/>
-              </a:lnSpc>
-              <a:spcBef>
-                <a:spcPts val="375"/>
-              </a:spcBef>
-              <a:buFont typeface="Arial" panose="020B0604020202020204" pitchFamily="34" charset="0"/>
-              <a:buChar char="•"/>
-              <a:defRPr sz="1350" kern="1200">
-                <a:solidFill>
-                  <a:schemeClr val="tx1"/>
-                </a:solidFill>
-                <a:latin typeface="+mn-lt"/>
-                <a:ea typeface="+mn-ea"/>
-                <a:cs typeface="+mn-cs"/>
-              </a:defRPr>
-            </a:lvl5pPr>
-            <a:lvl6pPr marL="1885950" indent="-171450" algn="l" defTabSz="685800" rtl="0" eaLnBrk="1" latinLnBrk="0" hangingPunct="1">
-              <a:lnSpc>
-                <a:spcPct val="90000"/>
-              </a:lnSpc>
-              <a:spcBef>
-                <a:spcPts val="375"/>
-              </a:spcBef>
-              <a:buFont typeface="Arial" panose="020B0604020202020204" pitchFamily="34" charset="0"/>
-              <a:buChar char="•"/>
-              <a:defRPr sz="1350" kern="1200">
-                <a:solidFill>
-                  <a:schemeClr val="tx1"/>
-                </a:solidFill>
-                <a:latin typeface="+mn-lt"/>
-                <a:ea typeface="+mn-ea"/>
-                <a:cs typeface="+mn-cs"/>
-              </a:defRPr>
-            </a:lvl6pPr>
-            <a:lvl7pPr marL="2228850" indent="-171450" algn="l" defTabSz="685800" rtl="0" eaLnBrk="1" latinLnBrk="0" hangingPunct="1">
-              <a:lnSpc>
-                <a:spcPct val="90000"/>
-              </a:lnSpc>
-              <a:spcBef>
-                <a:spcPts val="375"/>
-              </a:spcBef>
-              <a:buFont typeface="Arial" panose="020B0604020202020204" pitchFamily="34" charset="0"/>
-              <a:buChar char="•"/>
-              <a:defRPr sz="1350" kern="1200">
-                <a:solidFill>
-                  <a:schemeClr val="tx1"/>
-                </a:solidFill>
-                <a:latin typeface="+mn-lt"/>
-                <a:ea typeface="+mn-ea"/>
-                <a:cs typeface="+mn-cs"/>
-              </a:defRPr>
-            </a:lvl7pPr>
-            <a:lvl8pPr marL="2571750" indent="-171450" algn="l" defTabSz="685800" rtl="0" eaLnBrk="1" latinLnBrk="0" hangingPunct="1">
-              <a:lnSpc>
-                <a:spcPct val="90000"/>
-              </a:lnSpc>
-              <a:spcBef>
-                <a:spcPts val="375"/>
-              </a:spcBef>
-              <a:buFont typeface="Arial" panose="020B0604020202020204" pitchFamily="34" charset="0"/>
-              <a:buChar char="•"/>
-              <a:defRPr sz="1350" kern="1200">
-                <a:solidFill>
-                  <a:schemeClr val="tx1"/>
-                </a:solidFill>
-                <a:latin typeface="+mn-lt"/>
-                <a:ea typeface="+mn-ea"/>
-                <a:cs typeface="+mn-cs"/>
-              </a:defRPr>
-            </a:lvl8pPr>
-            <a:lvl9pPr marL="2914650" indent="-171450" algn="l" defTabSz="685800" rtl="0" eaLnBrk="1" latinLnBrk="0" hangingPunct="1">
-              <a:lnSpc>
-                <a:spcPct val="90000"/>
-              </a:lnSpc>
-              <a:spcBef>
-                <a:spcPts val="375"/>
-              </a:spcBef>
-              <a:buFont typeface="Arial" panose="020B0604020202020204" pitchFamily="34" charset="0"/>
-              <a:buChar char="•"/>
-              <a:defRPr sz="1350" kern="1200">
-                <a:solidFill>
-                  <a:schemeClr val="tx1"/>
-                </a:solidFill>
-                <a:latin typeface="+mn-lt"/>
-                <a:ea typeface="+mn-ea"/>
-                <a:cs typeface="+mn-cs"/>
-              </a:defRPr>
-            </a:lvl9pPr>
-          </a:lstStyle>
-          <a:p>
-            <a:r>
-              <a:rPr lang="en-US" sz="1800">
-                <a:solidFill>
-                  <a:srgbClr val="444444"/>
-                </a:solidFill>
-                <a:latin typeface="+mn-lt"/>
-              </a:rPr>
-              <a:t>How we develop skills for </a:t>
-            </a:r>
-            <a:br>
-              <a:rPr lang="en-US" sz="1800">
-                <a:solidFill>
-                  <a:srgbClr val="444444"/>
-                </a:solidFill>
-                <a:latin typeface="+mn-lt"/>
-              </a:rPr>
-            </a:br>
-            <a:r>
-              <a:rPr lang="en-US" sz="1800">
-                <a:solidFill>
-                  <a:srgbClr val="444444"/>
-                </a:solidFill>
-                <a:latin typeface="+mn-lt"/>
-              </a:rPr>
-              <a:t>Software reusability and reliability</a:t>
-            </a:r>
-            <a:endParaRPr lang="en-US" sz="1800" dirty="0">
-              <a:solidFill>
-                <a:srgbClr val="444444"/>
-              </a:solidFill>
-              <a:latin typeface="+mn-lt"/>
-            </a:endParaRPr>
-          </a:p>
-        </p:txBody>
-      </p:sp>
-      <p:pic>
-        <p:nvPicPr>
-          <p:cNvPr id="11" name="Picture 2">
-            <a:extLst>
-              <a:ext uri="{FF2B5EF4-FFF2-40B4-BE49-F238E27FC236}">
-                <a16:creationId xmlns:a16="http://schemas.microsoft.com/office/drawing/2014/main" id="{2EAB6E3C-5B22-4D9A-8CE7-7FF44CDB7C37}"/>
-              </a:ext>
-            </a:extLst>
-          </p:cNvPr>
-          <p:cNvPicPr>
-            <a:picLocks noChangeAspect="1" noChangeArrowheads="1"/>
-          </p:cNvPicPr>
-          <p:nvPr/>
-        </p:nvPicPr>
-        <p:blipFill>
-          <a:blip r:embed="rId4">
-            <a:alphaModFix amt="30000"/>
-            <a:extLst>
-              <a:ext uri="{28A0092B-C50C-407E-A947-70E740481C1C}">
-                <a14:useLocalDpi xmlns:a14="http://schemas.microsoft.com/office/drawing/2010/main" val="0"/>
-              </a:ext>
-            </a:extLst>
-          </a:blip>
-          <a:srcRect/>
-          <a:stretch>
-            <a:fillRect/>
-          </a:stretch>
-        </p:blipFill>
-        <p:spPr bwMode="auto">
-          <a:xfrm>
-            <a:off x="3643424" y="1597852"/>
-            <a:ext cx="4628635" cy="3147472"/>
+            <a:off x="3268639" y="1417588"/>
+            <a:ext cx="5691116" cy="2031325"/>
           </a:xfrm>
           <a:prstGeom prst="rect">
             <a:avLst/>
           </a:prstGeom>
           <a:noFill/>
-          <a:effectLst>
-            <a:glow rad="127000">
-              <a:schemeClr val="bg1"/>
-            </a:glow>
-          </a:effectLst>
-          <a:extLst>
-            <a:ext uri="{909E8E84-426E-40DD-AFC4-6F175D3DCCD1}">
-              <a14:hiddenFill xmlns:a14="http://schemas.microsoft.com/office/drawing/2010/main">
-                <a:solidFill>
-                  <a:srgbClr val="FFFFFF"/>
-                </a:solidFill>
-              </a14:hiddenFill>
-            </a:ext>
-          </a:extLst>
-        </p:spPr>
-      </p:pic>
+        </p:spPr>
+        <p:txBody>
+          <a:bodyPr wrap="square" rtlCol="0">
+            <a:spAutoFit/>
+          </a:bodyPr>
+          <a:lstStyle/>
+          <a:p>
+            <a:r>
+              <a:rPr lang="en-US" b="1" dirty="0"/>
+              <a:t>Also known as:</a:t>
+            </a:r>
+            <a:r>
+              <a:rPr lang="en-US" dirty="0"/>
+              <a:t> Intermediary, Controller.</a:t>
+            </a:r>
+          </a:p>
+          <a:p>
+            <a:endParaRPr lang="en-US" dirty="0"/>
+          </a:p>
+          <a:p>
+            <a:r>
+              <a:rPr lang="en-US" dirty="0"/>
+              <a:t>This design pattern is useful when there are several objects trying to communicate with each other during the execution of a program. To prevent communication chaos and restrict interactions between the objects, they must communicate through a Mediator object.</a:t>
+            </a:r>
+          </a:p>
+        </p:txBody>
+      </p:sp>
     </p:spTree>
     <p:extLst>
       <p:ext uri="{BB962C8B-B14F-4D97-AF65-F5344CB8AC3E}">
@@ -6828,7 +6727,7 @@
                 </a:solidFill>
                 <a:latin typeface="+mn-lt"/>
               </a:rPr>
-              <a:t>(Pattern)</a:t>
+              <a:t>Mediator</a:t>
             </a:r>
           </a:p>
         </p:txBody>
@@ -6848,7 +6747,7 @@
         <p:spPr>
           <a:xfrm>
             <a:off x="91395" y="246614"/>
-            <a:ext cx="2237151" cy="954107"/>
+            <a:ext cx="2661178" cy="523220"/>
           </a:xfrm>
           <a:prstGeom prst="rect">
             <a:avLst/>
@@ -6862,14 +6761,6 @@
           <a:lstStyle/>
           <a:p>
             <a:r>
-              <a:rPr lang="es-MX" sz="2800" b="1" dirty="0">
-                <a:solidFill>
-                  <a:srgbClr val="FFFF00"/>
-                </a:solidFill>
-              </a:rPr>
-              <a:t>(</a:t>
-            </a:r>
-            <a:r>
               <a:rPr lang="es-MX" sz="2800" b="1" dirty="0" err="1">
                 <a:solidFill>
                   <a:srgbClr val="FFFF00"/>
@@ -6883,25 +6774,15 @@
                   <a:srgbClr val="FFFF00"/>
                 </a:solidFill>
               </a:rPr>
-              <a:t>)</a:t>
-            </a:r>
-          </a:p>
-          <a:p>
-            <a:r>
-              <a:rPr lang="es-MX" sz="2800" b="1" dirty="0">
+              <a:t>: </a:t>
+            </a:r>
+            <a:r>
+              <a:rPr lang="es-MX" sz="2800" b="1" dirty="0" err="1">
                 <a:solidFill>
                   <a:srgbClr val="FFFF00"/>
                 </a:solidFill>
               </a:rPr>
-              <a:t>Ex. </a:t>
-            </a:r>
-            <a:r>
-              <a:rPr lang="es-MX" sz="2800" b="1" dirty="0" err="1">
-                <a:solidFill>
-                  <a:srgbClr val="FFFF00"/>
-                </a:solidFill>
-              </a:rPr>
-              <a:t>Creational</a:t>
+              <a:t>Behavioral</a:t>
             </a:r>
             <a:endParaRPr lang="en-US" sz="2800" b="1" dirty="0">
               <a:solidFill>
@@ -8068,6 +7949,11 @@
 <file path=ppt/slides/slide4.xml><?xml version="1.0" encoding="utf-8"?>
 <p:sld xmlns:a="http://schemas.openxmlformats.org/drawingml/2006/main" xmlns:r="http://schemas.openxmlformats.org/officeDocument/2006/relationships" xmlns:p="http://schemas.openxmlformats.org/presentationml/2006/main">
   <p:cSld>
+    <p:bg>
+      <p:bgRef idx="1001">
+        <a:schemeClr val="bg1"/>
+      </p:bgRef>
+    </p:bg>
     <p:spTree>
       <p:nvGrpSpPr>
         <p:cNvPr id="1" name=""/>
@@ -8146,7 +8032,7 @@
           <p:nvPr/>
         </p:nvPicPr>
         <p:blipFill>
-          <a:blip r:embed="rId3"/>
+          <a:blip r:embed="rId4"/>
           <a:stretch>
             <a:fillRect/>
           </a:stretch>
@@ -8163,10 +8049,110 @@
       </p:pic>
       <p:sp>
         <p:nvSpPr>
-          <p:cNvPr id="9" name="TextBox 8">
-            <a:extLst>
-              <a:ext uri="{FF2B5EF4-FFF2-40B4-BE49-F238E27FC236}">
-                <a16:creationId xmlns:a16="http://schemas.microsoft.com/office/drawing/2014/main" id="{89B56C39-9A91-8F4F-9AF9-BFCBAD7500CA}"/>
+          <p:cNvPr id="3" name="TextBox 2">
+            <a:extLst>
+              <a:ext uri="{FF2B5EF4-FFF2-40B4-BE49-F238E27FC236}">
+                <a16:creationId xmlns:a16="http://schemas.microsoft.com/office/drawing/2014/main" id="{A9BB4B3B-B59F-4579-910A-41EF912D001A}"/>
+              </a:ext>
+            </a:extLst>
+          </p:cNvPr>
+          <p:cNvSpPr txBox="1"/>
+          <p:nvPr/>
+        </p:nvSpPr>
+        <p:spPr>
+          <a:xfrm>
+            <a:off x="720880" y="3142234"/>
+            <a:ext cx="1605569" cy="461665"/>
+          </a:xfrm>
+          <a:prstGeom prst="rect">
+            <a:avLst/>
+          </a:prstGeom>
+          <a:noFill/>
+        </p:spPr>
+        <p:txBody>
+          <a:bodyPr wrap="none" rtlCol="0">
+            <a:spAutoFit/>
+          </a:bodyPr>
+          <a:lstStyle/>
+          <a:p>
+            <a:pPr algn="ctr"/>
+            <a:r>
+              <a:rPr lang="en-US" sz="2400" b="1" dirty="0">
+                <a:solidFill>
+                  <a:schemeClr val="bg1"/>
+                </a:solidFill>
+              </a:rPr>
+              <a:t>Motivation</a:t>
+            </a:r>
+          </a:p>
+        </p:txBody>
+      </p:sp>
+      <p:sp>
+        <p:nvSpPr>
+          <p:cNvPr id="7" name="TextBox 6">
+            <a:extLst>
+              <a:ext uri="{FF2B5EF4-FFF2-40B4-BE49-F238E27FC236}">
+                <a16:creationId xmlns:a16="http://schemas.microsoft.com/office/drawing/2014/main" id="{26F7E494-D257-49BE-9FE4-9C4FE958E24D}"/>
+              </a:ext>
+            </a:extLst>
+          </p:cNvPr>
+          <p:cNvSpPr txBox="1"/>
+          <p:nvPr/>
+        </p:nvSpPr>
+        <p:spPr>
+          <a:xfrm>
+            <a:off x="91395" y="246614"/>
+            <a:ext cx="2661178" cy="523220"/>
+          </a:xfrm>
+          <a:prstGeom prst="rect">
+            <a:avLst/>
+          </a:prstGeom>
+          <a:noFill/>
+        </p:spPr>
+        <p:txBody>
+          <a:bodyPr wrap="none" rtlCol="0">
+            <a:spAutoFit/>
+          </a:bodyPr>
+          <a:lstStyle/>
+          <a:p>
+            <a:r>
+              <a:rPr lang="es-MX" sz="2800" b="1" dirty="0" err="1">
+                <a:solidFill>
+                  <a:srgbClr val="FFFF00"/>
+                </a:solidFill>
+              </a:rPr>
+              <a:t>Type</a:t>
+            </a:r>
+            <a:r>
+              <a:rPr lang="es-MX" sz="2800" b="1" dirty="0">
+                <a:solidFill>
+                  <a:srgbClr val="FFFF00"/>
+                </a:solidFill>
+              </a:rPr>
+              <a:t>: </a:t>
+            </a:r>
+            <a:r>
+              <a:rPr lang="es-MX" sz="2800" b="1" dirty="0" err="1">
+                <a:solidFill>
+                  <a:srgbClr val="FFFF00"/>
+                </a:solidFill>
+              </a:rPr>
+              <a:t>Behavioral</a:t>
+            </a:r>
+            <a:endParaRPr lang="en-US" sz="2800" b="1" dirty="0">
+              <a:solidFill>
+                <a:srgbClr val="FFFF00"/>
+              </a:solidFill>
+            </a:endParaRPr>
+          </a:p>
+        </p:txBody>
+      </p:sp>
+      <p:sp>
+        <p:nvSpPr>
+          <p:cNvPr id="8" name="TextBox 7">
+            <a:extLst>
+              <a:ext uri="{FF2B5EF4-FFF2-40B4-BE49-F238E27FC236}">
+                <a16:creationId xmlns:a16="http://schemas.microsoft.com/office/drawing/2014/main" id="{23BDAA1F-A325-4576-8330-FE82B73DA2C2}"/>
               </a:ext>
             </a:extLst>
           </p:cNvPr>
@@ -8217,129 +8203,58 @@
                 </a:solidFill>
                 <a:latin typeface="+mn-lt"/>
               </a:rPr>
-              <a:t>(Pattern)</a:t>
-            </a:r>
-          </a:p>
-        </p:txBody>
-      </p:sp>
-      <p:sp>
-        <p:nvSpPr>
-          <p:cNvPr id="3" name="TextBox 2">
-            <a:extLst>
-              <a:ext uri="{FF2B5EF4-FFF2-40B4-BE49-F238E27FC236}">
-                <a16:creationId xmlns:a16="http://schemas.microsoft.com/office/drawing/2014/main" id="{A9BB4B3B-B59F-4579-910A-41EF912D001A}"/>
-              </a:ext>
-            </a:extLst>
-          </p:cNvPr>
-          <p:cNvSpPr txBox="1"/>
+              <a:t>Mediator</a:t>
+            </a:r>
+          </a:p>
+        </p:txBody>
+      </p:sp>
+      <p:pic>
+        <p:nvPicPr>
+          <p:cNvPr id="2054" name="Picture 6">
+            <a:extLst>
+              <a:ext uri="{FF2B5EF4-FFF2-40B4-BE49-F238E27FC236}">
+                <a16:creationId xmlns:a16="http://schemas.microsoft.com/office/drawing/2014/main" id="{44D315D9-DEA2-46F8-B988-2F0B037DFAE0}"/>
+              </a:ext>
+            </a:extLst>
+          </p:cNvPr>
+          <p:cNvPicPr>
+            <a:picLocks noChangeAspect="1" noChangeArrowheads="1"/>
+          </p:cNvPicPr>
           <p:nvPr/>
-        </p:nvSpPr>
-        <p:spPr>
-          <a:xfrm>
-            <a:off x="720880" y="3142234"/>
-            <a:ext cx="1605569" cy="461665"/>
+        </p:nvPicPr>
+        <p:blipFill>
+          <a:blip r:embed="rId5">
+            <a:extLst>
+              <a:ext uri="{28A0092B-C50C-407E-A947-70E740481C1C}">
+                <a14:useLocalDpi xmlns:a14="http://schemas.microsoft.com/office/drawing/2010/main" val="0"/>
+              </a:ext>
+            </a:extLst>
+          </a:blip>
+          <a:srcRect/>
+          <a:stretch>
+            <a:fillRect/>
+          </a:stretch>
+        </p:blipFill>
+        <p:spPr bwMode="auto">
+          <a:xfrm>
+            <a:off x="4561712" y="1709738"/>
+            <a:ext cx="3057525" cy="1724025"/>
           </a:xfrm>
           <a:prstGeom prst="rect">
             <a:avLst/>
           </a:prstGeom>
           <a:noFill/>
-        </p:spPr>
-        <p:txBody>
-          <a:bodyPr wrap="none" rtlCol="0">
-            <a:spAutoFit/>
-          </a:bodyPr>
-          <a:lstStyle/>
-          <a:p>
-            <a:pPr algn="ctr"/>
-            <a:r>
-              <a:rPr lang="en-US" sz="2400" b="1" dirty="0">
-                <a:solidFill>
-                  <a:schemeClr val="bg1"/>
-                </a:solidFill>
-              </a:rPr>
-              <a:t>Motivation</a:t>
-            </a:r>
-          </a:p>
-        </p:txBody>
-      </p:sp>
-      <p:sp>
-        <p:nvSpPr>
-          <p:cNvPr id="15" name="TextBox 14">
-            <a:extLst>
-              <a:ext uri="{FF2B5EF4-FFF2-40B4-BE49-F238E27FC236}">
-                <a16:creationId xmlns:a16="http://schemas.microsoft.com/office/drawing/2014/main" id="{0CA3A5F9-0B96-4275-8B63-B57EB9824454}"/>
-              </a:ext>
-            </a:extLst>
-          </p:cNvPr>
-          <p:cNvSpPr txBox="1"/>
-          <p:nvPr/>
-        </p:nvSpPr>
-        <p:spPr>
-          <a:xfrm>
-            <a:off x="91395" y="246614"/>
-            <a:ext cx="2237151" cy="954107"/>
-          </a:xfrm>
-          <a:prstGeom prst="rect">
-            <a:avLst/>
-          </a:prstGeom>
-          <a:noFill/>
-        </p:spPr>
-        <p:txBody>
-          <a:bodyPr wrap="none" rtlCol="0">
-            <a:spAutoFit/>
-          </a:bodyPr>
-          <a:lstStyle/>
-          <a:p>
-            <a:r>
-              <a:rPr lang="es-MX" sz="2800" b="1" dirty="0">
-                <a:solidFill>
-                  <a:srgbClr val="FFFF00"/>
-                </a:solidFill>
-              </a:rPr>
-              <a:t>(</a:t>
-            </a:r>
-            <a:r>
-              <a:rPr lang="es-MX" sz="2800" b="1" dirty="0" err="1">
-                <a:solidFill>
-                  <a:srgbClr val="FFFF00"/>
-                </a:solidFill>
-              </a:rPr>
-              <a:t>Type</a:t>
-            </a:r>
-            <a:r>
-              <a:rPr lang="es-MX" sz="2800" b="1" dirty="0">
-                <a:solidFill>
-                  <a:srgbClr val="FFFF00"/>
-                </a:solidFill>
-              </a:rPr>
-              <a:t>)</a:t>
-            </a:r>
-          </a:p>
-          <a:p>
-            <a:r>
-              <a:rPr lang="es-MX" sz="2800" b="1" dirty="0">
-                <a:solidFill>
-                  <a:srgbClr val="FFFF00"/>
-                </a:solidFill>
-              </a:rPr>
-              <a:t>Ex. </a:t>
-            </a:r>
-            <a:r>
-              <a:rPr lang="es-MX" sz="2800" b="1" dirty="0" err="1">
-                <a:solidFill>
-                  <a:srgbClr val="FFFF00"/>
-                </a:solidFill>
-              </a:rPr>
-              <a:t>Creational</a:t>
-            </a:r>
-            <a:endParaRPr lang="en-US" sz="2800" b="1" dirty="0">
-              <a:solidFill>
-                <a:srgbClr val="FFFF00"/>
-              </a:solidFill>
-            </a:endParaRPr>
-          </a:p>
-        </p:txBody>
-      </p:sp>
+          <a:extLst>
+            <a:ext uri="{909E8E84-426E-40DD-AFC4-6F175D3DCCD1}">
+              <a14:hiddenFill xmlns:a14="http://schemas.microsoft.com/office/drawing/2010/main">
+                <a:solidFill>
+                  <a:srgbClr val="FFFFFF"/>
+                </a:solidFill>
+              </a14:hiddenFill>
+            </a:ext>
+          </a:extLst>
+        </p:spPr>
+      </p:pic>
     </p:spTree>
     <p:extLst>
       <p:ext uri="{BB962C8B-B14F-4D97-AF65-F5344CB8AC3E}">
@@ -8348,7 +8263,7 @@
     </p:extLst>
   </p:cSld>
   <p:clrMapOvr>
-    <a:masterClrMapping/>
+    <a:overrideClrMapping bg1="lt1" tx1="dk1" bg2="lt2" tx2="dk2" accent1="accent1" accent2="accent2" accent3="accent3" accent4="accent4" accent5="accent5" accent6="accent6" hlink="hlink" folHlink="folHlink"/>
   </p:clrMapOvr>
 </p:sld>
 </file>
@@ -8451,10 +8366,110 @@
       </p:pic>
       <p:sp>
         <p:nvSpPr>
-          <p:cNvPr id="9" name="TextBox 8">
-            <a:extLst>
-              <a:ext uri="{FF2B5EF4-FFF2-40B4-BE49-F238E27FC236}">
-                <a16:creationId xmlns:a16="http://schemas.microsoft.com/office/drawing/2014/main" id="{89B56C39-9A91-8F4F-9AF9-BFCBAD7500CA}"/>
+          <p:cNvPr id="3" name="TextBox 2">
+            <a:extLst>
+              <a:ext uri="{FF2B5EF4-FFF2-40B4-BE49-F238E27FC236}">
+                <a16:creationId xmlns:a16="http://schemas.microsoft.com/office/drawing/2014/main" id="{A9BB4B3B-B59F-4579-910A-41EF912D001A}"/>
+              </a:ext>
+            </a:extLst>
+          </p:cNvPr>
+          <p:cNvSpPr txBox="1"/>
+          <p:nvPr/>
+        </p:nvSpPr>
+        <p:spPr>
+          <a:xfrm>
+            <a:off x="636339" y="3112454"/>
+            <a:ext cx="1774653" cy="461665"/>
+          </a:xfrm>
+          <a:prstGeom prst="rect">
+            <a:avLst/>
+          </a:prstGeom>
+          <a:noFill/>
+        </p:spPr>
+        <p:txBody>
+          <a:bodyPr wrap="none" rtlCol="0">
+            <a:spAutoFit/>
+          </a:bodyPr>
+          <a:lstStyle/>
+          <a:p>
+            <a:pPr algn="ctr"/>
+            <a:r>
+              <a:rPr lang="en-US" sz="2400" b="1" dirty="0">
+                <a:solidFill>
+                  <a:schemeClr val="bg1"/>
+                </a:solidFill>
+              </a:rPr>
+              <a:t>Applicability</a:t>
+            </a:r>
+          </a:p>
+        </p:txBody>
+      </p:sp>
+      <p:sp>
+        <p:nvSpPr>
+          <p:cNvPr id="8" name="TextBox 7">
+            <a:extLst>
+              <a:ext uri="{FF2B5EF4-FFF2-40B4-BE49-F238E27FC236}">
+                <a16:creationId xmlns:a16="http://schemas.microsoft.com/office/drawing/2014/main" id="{2C7B4E3C-4DBC-4303-A4D2-877E9CEF2B2B}"/>
+              </a:ext>
+            </a:extLst>
+          </p:cNvPr>
+          <p:cNvSpPr txBox="1"/>
+          <p:nvPr/>
+        </p:nvSpPr>
+        <p:spPr>
+          <a:xfrm>
+            <a:off x="91395" y="246614"/>
+            <a:ext cx="2661178" cy="523220"/>
+          </a:xfrm>
+          <a:prstGeom prst="rect">
+            <a:avLst/>
+          </a:prstGeom>
+          <a:noFill/>
+        </p:spPr>
+        <p:txBody>
+          <a:bodyPr wrap="none" rtlCol="0">
+            <a:spAutoFit/>
+          </a:bodyPr>
+          <a:lstStyle/>
+          <a:p>
+            <a:r>
+              <a:rPr lang="es-MX" sz="2800" b="1" dirty="0" err="1">
+                <a:solidFill>
+                  <a:srgbClr val="FFFF00"/>
+                </a:solidFill>
+              </a:rPr>
+              <a:t>Type</a:t>
+            </a:r>
+            <a:r>
+              <a:rPr lang="es-MX" sz="2800" b="1" dirty="0">
+                <a:solidFill>
+                  <a:srgbClr val="FFFF00"/>
+                </a:solidFill>
+              </a:rPr>
+              <a:t>: </a:t>
+            </a:r>
+            <a:r>
+              <a:rPr lang="es-MX" sz="2800" b="1" dirty="0" err="1">
+                <a:solidFill>
+                  <a:srgbClr val="FFFF00"/>
+                </a:solidFill>
+              </a:rPr>
+              <a:t>Behavioral</a:t>
+            </a:r>
+            <a:endParaRPr lang="en-US" sz="2800" b="1" dirty="0">
+              <a:solidFill>
+                <a:srgbClr val="FFFF00"/>
+              </a:solidFill>
+            </a:endParaRPr>
+          </a:p>
+        </p:txBody>
+      </p:sp>
+      <p:sp>
+        <p:nvSpPr>
+          <p:cNvPr id="10" name="TextBox 9">
+            <a:extLst>
+              <a:ext uri="{FF2B5EF4-FFF2-40B4-BE49-F238E27FC236}">
+                <a16:creationId xmlns:a16="http://schemas.microsoft.com/office/drawing/2014/main" id="{D8E883F7-05CD-4F8B-AFDC-DD56948E40A6}"/>
               </a:ext>
             </a:extLst>
           </p:cNvPr>
@@ -8505,129 +8520,58 @@
                 </a:solidFill>
                 <a:latin typeface="+mn-lt"/>
               </a:rPr>
-              <a:t>(Pattern)</a:t>
-            </a:r>
-          </a:p>
-        </p:txBody>
-      </p:sp>
-      <p:sp>
-        <p:nvSpPr>
-          <p:cNvPr id="3" name="TextBox 2">
-            <a:extLst>
-              <a:ext uri="{FF2B5EF4-FFF2-40B4-BE49-F238E27FC236}">
-                <a16:creationId xmlns:a16="http://schemas.microsoft.com/office/drawing/2014/main" id="{A9BB4B3B-B59F-4579-910A-41EF912D001A}"/>
-              </a:ext>
-            </a:extLst>
-          </p:cNvPr>
-          <p:cNvSpPr txBox="1"/>
+              <a:t>Mediator</a:t>
+            </a:r>
+          </a:p>
+        </p:txBody>
+      </p:sp>
+      <p:pic>
+        <p:nvPicPr>
+          <p:cNvPr id="3078" name="Picture 6">
+            <a:extLst>
+              <a:ext uri="{FF2B5EF4-FFF2-40B4-BE49-F238E27FC236}">
+                <a16:creationId xmlns:a16="http://schemas.microsoft.com/office/drawing/2014/main" id="{8CA54EBC-91FC-417D-B997-4112E2896741}"/>
+              </a:ext>
+            </a:extLst>
+          </p:cNvPr>
+          <p:cNvPicPr>
+            <a:picLocks noChangeAspect="1" noChangeArrowheads="1"/>
+          </p:cNvPicPr>
           <p:nvPr/>
-        </p:nvSpPr>
-        <p:spPr>
-          <a:xfrm>
-            <a:off x="636339" y="3112454"/>
-            <a:ext cx="1774653" cy="461665"/>
+        </p:nvPicPr>
+        <p:blipFill>
+          <a:blip r:embed="rId4">
+            <a:extLst>
+              <a:ext uri="{28A0092B-C50C-407E-A947-70E740481C1C}">
+                <a14:useLocalDpi xmlns:a14="http://schemas.microsoft.com/office/drawing/2010/main" val="0"/>
+              </a:ext>
+            </a:extLst>
+          </a:blip>
+          <a:srcRect/>
+          <a:stretch>
+            <a:fillRect/>
+          </a:stretch>
+        </p:blipFill>
+        <p:spPr bwMode="auto">
+          <a:xfrm>
+            <a:off x="3545136" y="995363"/>
+            <a:ext cx="4962525" cy="3152775"/>
           </a:xfrm>
           <a:prstGeom prst="rect">
             <a:avLst/>
           </a:prstGeom>
           <a:noFill/>
-        </p:spPr>
-        <p:txBody>
-          <a:bodyPr wrap="none" rtlCol="0">
-            <a:spAutoFit/>
-          </a:bodyPr>
-          <a:lstStyle/>
-          <a:p>
-            <a:pPr algn="ctr"/>
-            <a:r>
-              <a:rPr lang="en-US" sz="2400" b="1" dirty="0">
-                <a:solidFill>
-                  <a:schemeClr val="bg1"/>
-                </a:solidFill>
-              </a:rPr>
-              <a:t>Applicability</a:t>
-            </a:r>
-          </a:p>
-        </p:txBody>
-      </p:sp>
-      <p:sp>
-        <p:nvSpPr>
-          <p:cNvPr id="15" name="TextBox 14">
-            <a:extLst>
-              <a:ext uri="{FF2B5EF4-FFF2-40B4-BE49-F238E27FC236}">
-                <a16:creationId xmlns:a16="http://schemas.microsoft.com/office/drawing/2014/main" id="{0CA3A5F9-0B96-4275-8B63-B57EB9824454}"/>
-              </a:ext>
-            </a:extLst>
-          </p:cNvPr>
-          <p:cNvSpPr txBox="1"/>
-          <p:nvPr/>
-        </p:nvSpPr>
-        <p:spPr>
-          <a:xfrm>
-            <a:off x="91395" y="246614"/>
-            <a:ext cx="2237151" cy="954107"/>
-          </a:xfrm>
-          <a:prstGeom prst="rect">
-            <a:avLst/>
-          </a:prstGeom>
-          <a:noFill/>
-        </p:spPr>
-        <p:txBody>
-          <a:bodyPr wrap="none" rtlCol="0">
-            <a:spAutoFit/>
-          </a:bodyPr>
-          <a:lstStyle/>
-          <a:p>
-            <a:r>
-              <a:rPr lang="es-MX" sz="2800" b="1" dirty="0">
-                <a:solidFill>
-                  <a:srgbClr val="FFFF00"/>
-                </a:solidFill>
-              </a:rPr>
-              <a:t>(</a:t>
-            </a:r>
-            <a:r>
-              <a:rPr lang="es-MX" sz="2800" b="1" dirty="0" err="1">
-                <a:solidFill>
-                  <a:srgbClr val="FFFF00"/>
-                </a:solidFill>
-              </a:rPr>
-              <a:t>Type</a:t>
-            </a:r>
-            <a:r>
-              <a:rPr lang="es-MX" sz="2800" b="1" dirty="0">
-                <a:solidFill>
-                  <a:srgbClr val="FFFF00"/>
-                </a:solidFill>
-              </a:rPr>
-              <a:t>)</a:t>
-            </a:r>
-          </a:p>
-          <a:p>
-            <a:r>
-              <a:rPr lang="es-MX" sz="2800" b="1" dirty="0">
-                <a:solidFill>
-                  <a:srgbClr val="FFFF00"/>
-                </a:solidFill>
-              </a:rPr>
-              <a:t>Ex. </a:t>
-            </a:r>
-            <a:r>
-              <a:rPr lang="es-MX" sz="2800" b="1" dirty="0" err="1">
-                <a:solidFill>
-                  <a:srgbClr val="FFFF00"/>
-                </a:solidFill>
-              </a:rPr>
-              <a:t>Creational</a:t>
-            </a:r>
-            <a:endParaRPr lang="en-US" sz="2800" b="1" dirty="0">
-              <a:solidFill>
-                <a:srgbClr val="FFFF00"/>
-              </a:solidFill>
-            </a:endParaRPr>
-          </a:p>
-        </p:txBody>
-      </p:sp>
+          <a:extLst>
+            <a:ext uri="{909E8E84-426E-40DD-AFC4-6F175D3DCCD1}">
+              <a14:hiddenFill xmlns:a14="http://schemas.microsoft.com/office/drawing/2010/main">
+                <a:solidFill>
+                  <a:srgbClr val="FFFFFF"/>
+                </a:solidFill>
+              </a14:hiddenFill>
+            </a:ext>
+          </a:extLst>
+        </p:spPr>
+      </p:pic>
     </p:spTree>
     <p:extLst>
       <p:ext uri="{BB962C8B-B14F-4D97-AF65-F5344CB8AC3E}">
@@ -8739,10 +8683,115 @@
       </p:pic>
       <p:sp>
         <p:nvSpPr>
-          <p:cNvPr id="9" name="TextBox 8">
-            <a:extLst>
-              <a:ext uri="{FF2B5EF4-FFF2-40B4-BE49-F238E27FC236}">
-                <a16:creationId xmlns:a16="http://schemas.microsoft.com/office/drawing/2014/main" id="{89B56C39-9A91-8F4F-9AF9-BFCBAD7500CA}"/>
+          <p:cNvPr id="7" name="TextBox 6">
+            <a:extLst>
+              <a:ext uri="{FF2B5EF4-FFF2-40B4-BE49-F238E27FC236}">
+                <a16:creationId xmlns:a16="http://schemas.microsoft.com/office/drawing/2014/main" id="{08276CE7-9BE4-4637-97B9-9608005FFAB5}"/>
+              </a:ext>
+            </a:extLst>
+          </p:cNvPr>
+          <p:cNvSpPr txBox="1"/>
+          <p:nvPr/>
+        </p:nvSpPr>
+        <p:spPr>
+          <a:xfrm>
+            <a:off x="836745" y="3114471"/>
+            <a:ext cx="1373838" cy="461665"/>
+          </a:xfrm>
+          <a:prstGeom prst="rect">
+            <a:avLst/>
+          </a:prstGeom>
+          <a:noFill/>
+        </p:spPr>
+        <p:txBody>
+          <a:bodyPr wrap="none" rtlCol="0">
+            <a:spAutoFit/>
+          </a:bodyPr>
+          <a:lstStyle/>
+          <a:p>
+            <a:pPr algn="ctr"/>
+            <a:r>
+              <a:rPr lang="en-US" sz="2400" b="1">
+                <a:solidFill>
+                  <a:schemeClr val="bg1"/>
+                </a:solidFill>
+              </a:rPr>
+              <a:t>Structure</a:t>
+            </a:r>
+            <a:endParaRPr lang="en-US" sz="2400" b="1" dirty="0">
+              <a:solidFill>
+                <a:schemeClr val="bg1"/>
+              </a:solidFill>
+            </a:endParaRPr>
+          </a:p>
+        </p:txBody>
+      </p:sp>
+      <p:sp>
+        <p:nvSpPr>
+          <p:cNvPr id="8" name="TextBox 7">
+            <a:extLst>
+              <a:ext uri="{FF2B5EF4-FFF2-40B4-BE49-F238E27FC236}">
+                <a16:creationId xmlns:a16="http://schemas.microsoft.com/office/drawing/2014/main" id="{533CA147-CD1E-4EC4-8042-18B18DFB8079}"/>
+              </a:ext>
+            </a:extLst>
+          </p:cNvPr>
+          <p:cNvSpPr txBox="1"/>
+          <p:nvPr/>
+        </p:nvSpPr>
+        <p:spPr>
+          <a:xfrm>
+            <a:off x="91395" y="246614"/>
+            <a:ext cx="2661178" cy="523220"/>
+          </a:xfrm>
+          <a:prstGeom prst="rect">
+            <a:avLst/>
+          </a:prstGeom>
+          <a:noFill/>
+        </p:spPr>
+        <p:txBody>
+          <a:bodyPr wrap="none" rtlCol="0">
+            <a:spAutoFit/>
+          </a:bodyPr>
+          <a:lstStyle/>
+          <a:p>
+            <a:r>
+              <a:rPr lang="es-MX" sz="2800" b="1" dirty="0" err="1">
+                <a:solidFill>
+                  <a:srgbClr val="FFFF00"/>
+                </a:solidFill>
+              </a:rPr>
+              <a:t>Type</a:t>
+            </a:r>
+            <a:r>
+              <a:rPr lang="es-MX" sz="2800" b="1" dirty="0">
+                <a:solidFill>
+                  <a:srgbClr val="FFFF00"/>
+                </a:solidFill>
+              </a:rPr>
+              <a:t>: </a:t>
+            </a:r>
+            <a:r>
+              <a:rPr lang="es-MX" sz="2800" b="1" dirty="0" err="1">
+                <a:solidFill>
+                  <a:srgbClr val="FFFF00"/>
+                </a:solidFill>
+              </a:rPr>
+              <a:t>Behavioral</a:t>
+            </a:r>
+            <a:endParaRPr lang="en-US" sz="2800" b="1" dirty="0">
+              <a:solidFill>
+                <a:srgbClr val="FFFF00"/>
+              </a:solidFill>
+            </a:endParaRPr>
+          </a:p>
+        </p:txBody>
+      </p:sp>
+      <p:sp>
+        <p:nvSpPr>
+          <p:cNvPr id="10" name="TextBox 9">
+            <a:extLst>
+              <a:ext uri="{FF2B5EF4-FFF2-40B4-BE49-F238E27FC236}">
+                <a16:creationId xmlns:a16="http://schemas.microsoft.com/office/drawing/2014/main" id="{CC07FED3-BEE6-4EA3-AA0A-925193478656}"/>
               </a:ext>
             </a:extLst>
           </p:cNvPr>
@@ -8793,134 +8842,58 @@
                 </a:solidFill>
                 <a:latin typeface="+mn-lt"/>
               </a:rPr>
-              <a:t>(Pattern)</a:t>
-            </a:r>
-          </a:p>
-        </p:txBody>
-      </p:sp>
-      <p:sp>
-        <p:nvSpPr>
-          <p:cNvPr id="15" name="TextBox 14">
-            <a:extLst>
-              <a:ext uri="{FF2B5EF4-FFF2-40B4-BE49-F238E27FC236}">
-                <a16:creationId xmlns:a16="http://schemas.microsoft.com/office/drawing/2014/main" id="{0CA3A5F9-0B96-4275-8B63-B57EB9824454}"/>
-              </a:ext>
-            </a:extLst>
-          </p:cNvPr>
-          <p:cNvSpPr txBox="1"/>
+              <a:t>Mediator</a:t>
+            </a:r>
+          </a:p>
+        </p:txBody>
+      </p:sp>
+      <p:pic>
+        <p:nvPicPr>
+          <p:cNvPr id="4098" name="Picture 2">
+            <a:extLst>
+              <a:ext uri="{FF2B5EF4-FFF2-40B4-BE49-F238E27FC236}">
+                <a16:creationId xmlns:a16="http://schemas.microsoft.com/office/drawing/2014/main" id="{48B4746B-3CBE-4AD3-B690-F6E4F57753D3}"/>
+              </a:ext>
+            </a:extLst>
+          </p:cNvPr>
+          <p:cNvPicPr>
+            <a:picLocks noChangeAspect="1" noChangeArrowheads="1"/>
+          </p:cNvPicPr>
           <p:nvPr/>
-        </p:nvSpPr>
-        <p:spPr>
-          <a:xfrm>
-            <a:off x="91395" y="246614"/>
-            <a:ext cx="2237151" cy="954107"/>
+        </p:nvPicPr>
+        <p:blipFill>
+          <a:blip r:embed="rId4">
+            <a:extLst>
+              <a:ext uri="{28A0092B-C50C-407E-A947-70E740481C1C}">
+                <a14:useLocalDpi xmlns:a14="http://schemas.microsoft.com/office/drawing/2010/main" val="0"/>
+              </a:ext>
+            </a:extLst>
+          </a:blip>
+          <a:srcRect/>
+          <a:stretch>
+            <a:fillRect/>
+          </a:stretch>
+        </p:blipFill>
+        <p:spPr bwMode="auto">
+          <a:xfrm>
+            <a:off x="3547352" y="661988"/>
+            <a:ext cx="5229225" cy="3819525"/>
           </a:xfrm>
           <a:prstGeom prst="rect">
             <a:avLst/>
           </a:prstGeom>
           <a:noFill/>
-        </p:spPr>
-        <p:txBody>
-          <a:bodyPr wrap="none" rtlCol="0">
-            <a:spAutoFit/>
-          </a:bodyPr>
-          <a:lstStyle/>
-          <a:p>
-            <a:r>
-              <a:rPr lang="es-MX" sz="2800" b="1" dirty="0">
-                <a:solidFill>
-                  <a:srgbClr val="FFFF00"/>
-                </a:solidFill>
-              </a:rPr>
-              <a:t>(</a:t>
-            </a:r>
-            <a:r>
-              <a:rPr lang="es-MX" sz="2800" b="1" dirty="0" err="1">
-                <a:solidFill>
-                  <a:srgbClr val="FFFF00"/>
-                </a:solidFill>
-              </a:rPr>
-              <a:t>Type</a:t>
-            </a:r>
-            <a:r>
-              <a:rPr lang="es-MX" sz="2800" b="1" dirty="0">
-                <a:solidFill>
-                  <a:srgbClr val="FFFF00"/>
-                </a:solidFill>
-              </a:rPr>
-              <a:t>)</a:t>
-            </a:r>
-          </a:p>
-          <a:p>
-            <a:r>
-              <a:rPr lang="es-MX" sz="2800" b="1" dirty="0">
-                <a:solidFill>
-                  <a:srgbClr val="FFFF00"/>
-                </a:solidFill>
-              </a:rPr>
-              <a:t>Ex. </a:t>
-            </a:r>
-            <a:r>
-              <a:rPr lang="es-MX" sz="2800" b="1" dirty="0" err="1">
-                <a:solidFill>
-                  <a:srgbClr val="FFFF00"/>
-                </a:solidFill>
-              </a:rPr>
-              <a:t>Creational</a:t>
-            </a:r>
-            <a:endParaRPr lang="en-US" sz="2800" b="1" dirty="0">
-              <a:solidFill>
-                <a:srgbClr val="FFFF00"/>
-              </a:solidFill>
-            </a:endParaRPr>
-          </a:p>
-        </p:txBody>
-      </p:sp>
-      <p:sp>
-        <p:nvSpPr>
-          <p:cNvPr id="7" name="TextBox 6">
-            <a:extLst>
-              <a:ext uri="{FF2B5EF4-FFF2-40B4-BE49-F238E27FC236}">
-                <a16:creationId xmlns:a16="http://schemas.microsoft.com/office/drawing/2014/main" id="{08276CE7-9BE4-4637-97B9-9608005FFAB5}"/>
-              </a:ext>
-            </a:extLst>
-          </p:cNvPr>
-          <p:cNvSpPr txBox="1"/>
-          <p:nvPr/>
-        </p:nvSpPr>
-        <p:spPr>
-          <a:xfrm>
-            <a:off x="836745" y="3114471"/>
-            <a:ext cx="1373838" cy="461665"/>
-          </a:xfrm>
-          <a:prstGeom prst="rect">
-            <a:avLst/>
-          </a:prstGeom>
-          <a:noFill/>
-        </p:spPr>
-        <p:txBody>
-          <a:bodyPr wrap="none" rtlCol="0">
-            <a:spAutoFit/>
-          </a:bodyPr>
-          <a:lstStyle/>
-          <a:p>
-            <a:pPr algn="ctr"/>
-            <a:r>
-              <a:rPr lang="en-US" sz="2400" b="1">
-                <a:solidFill>
-                  <a:schemeClr val="bg1"/>
-                </a:solidFill>
-              </a:rPr>
-              <a:t>Structure</a:t>
-            </a:r>
-            <a:endParaRPr lang="en-US" sz="2400" b="1" dirty="0">
-              <a:solidFill>
-                <a:schemeClr val="bg1"/>
-              </a:solidFill>
-            </a:endParaRPr>
-          </a:p>
-        </p:txBody>
-      </p:sp>
+          <a:extLst>
+            <a:ext uri="{909E8E84-426E-40DD-AFC4-6F175D3DCCD1}">
+              <a14:hiddenFill xmlns:a14="http://schemas.microsoft.com/office/drawing/2010/main">
+                <a:solidFill>
+                  <a:srgbClr val="FFFFFF"/>
+                </a:solidFill>
+              </a14:hiddenFill>
+            </a:ext>
+          </a:extLst>
+        </p:spPr>
+      </p:pic>
     </p:spTree>
     <p:extLst>
       <p:ext uri="{BB962C8B-B14F-4D97-AF65-F5344CB8AC3E}">
@@ -9032,10 +9005,164 @@
       </p:pic>
       <p:sp>
         <p:nvSpPr>
-          <p:cNvPr id="9" name="TextBox 8">
-            <a:extLst>
-              <a:ext uri="{FF2B5EF4-FFF2-40B4-BE49-F238E27FC236}">
-                <a16:creationId xmlns:a16="http://schemas.microsoft.com/office/drawing/2014/main" id="{89B56C39-9A91-8F4F-9AF9-BFCBAD7500CA}"/>
+          <p:cNvPr id="3" name="TextBox 2">
+            <a:extLst>
+              <a:ext uri="{FF2B5EF4-FFF2-40B4-BE49-F238E27FC236}">
+                <a16:creationId xmlns:a16="http://schemas.microsoft.com/office/drawing/2014/main" id="{A9BB4B3B-B59F-4579-910A-41EF912D001A}"/>
+              </a:ext>
+            </a:extLst>
+          </p:cNvPr>
+          <p:cNvSpPr txBox="1"/>
+          <p:nvPr/>
+        </p:nvSpPr>
+        <p:spPr>
+          <a:xfrm>
+            <a:off x="673561" y="3128057"/>
+            <a:ext cx="1700209" cy="461665"/>
+          </a:xfrm>
+          <a:prstGeom prst="rect">
+            <a:avLst/>
+          </a:prstGeom>
+          <a:noFill/>
+        </p:spPr>
+        <p:txBody>
+          <a:bodyPr wrap="none" rtlCol="0">
+            <a:spAutoFit/>
+          </a:bodyPr>
+          <a:lstStyle/>
+          <a:p>
+            <a:pPr algn="ctr"/>
+            <a:r>
+              <a:rPr lang="en-US" sz="2400" b="1">
+                <a:solidFill>
+                  <a:schemeClr val="bg1"/>
+                </a:solidFill>
+              </a:rPr>
+              <a:t>Participants</a:t>
+            </a:r>
+            <a:endParaRPr lang="en-US" sz="2400" b="1" dirty="0">
+              <a:solidFill>
+                <a:schemeClr val="bg1"/>
+              </a:solidFill>
+            </a:endParaRPr>
+          </a:p>
+        </p:txBody>
+      </p:sp>
+      <p:sp>
+        <p:nvSpPr>
+          <p:cNvPr id="7" name="TextBox 6">
+            <a:extLst>
+              <a:ext uri="{FF2B5EF4-FFF2-40B4-BE49-F238E27FC236}">
+                <a16:creationId xmlns:a16="http://schemas.microsoft.com/office/drawing/2014/main" id="{774A582F-758B-48AB-BB71-C933259F8BD1}"/>
+              </a:ext>
+            </a:extLst>
+          </p:cNvPr>
+          <p:cNvSpPr txBox="1"/>
+          <p:nvPr/>
+        </p:nvSpPr>
+        <p:spPr>
+          <a:xfrm>
+            <a:off x="3295935" y="1833086"/>
+            <a:ext cx="5691116" cy="1477328"/>
+          </a:xfrm>
+          <a:prstGeom prst="rect">
+            <a:avLst/>
+          </a:prstGeom>
+          <a:noFill/>
+        </p:spPr>
+        <p:txBody>
+          <a:bodyPr wrap="square" rtlCol="0">
+            <a:spAutoFit/>
+          </a:bodyPr>
+          <a:lstStyle/>
+          <a:p>
+            <a:r>
+              <a:rPr lang="en-US" b="1" dirty="0"/>
+              <a:t>- Mediator:</a:t>
+            </a:r>
+            <a:r>
+              <a:rPr lang="en-US" dirty="0"/>
+              <a:t> Object that gets notified about the components behavior and also invokes behavior on the components.</a:t>
+            </a:r>
+          </a:p>
+          <a:p>
+            <a:r>
+              <a:rPr lang="en-US" b="1" dirty="0"/>
+              <a:t>- Component(s):</a:t>
+            </a:r>
+            <a:r>
+              <a:rPr lang="en-US" dirty="0"/>
+              <a:t> Element that notifies the Mediator about its behavior and exposes behavior to be invoked.</a:t>
+            </a:r>
+          </a:p>
+        </p:txBody>
+      </p:sp>
+      <p:sp>
+        <p:nvSpPr>
+          <p:cNvPr id="8" name="TextBox 7">
+            <a:extLst>
+              <a:ext uri="{FF2B5EF4-FFF2-40B4-BE49-F238E27FC236}">
+                <a16:creationId xmlns:a16="http://schemas.microsoft.com/office/drawing/2014/main" id="{3B72EB73-7119-4F14-BD32-CD050F6E0B15}"/>
+              </a:ext>
+            </a:extLst>
+          </p:cNvPr>
+          <p:cNvSpPr txBox="1"/>
+          <p:nvPr/>
+        </p:nvSpPr>
+        <p:spPr>
+          <a:xfrm>
+            <a:off x="91395" y="246614"/>
+            <a:ext cx="2661178" cy="523220"/>
+          </a:xfrm>
+          <a:prstGeom prst="rect">
+            <a:avLst/>
+          </a:prstGeom>
+          <a:noFill/>
+        </p:spPr>
+        <p:txBody>
+          <a:bodyPr wrap="none" rtlCol="0">
+            <a:spAutoFit/>
+          </a:bodyPr>
+          <a:lstStyle/>
+          <a:p>
+            <a:r>
+              <a:rPr lang="es-MX" sz="2800" b="1" dirty="0" err="1">
+                <a:solidFill>
+                  <a:srgbClr val="FFFF00"/>
+                </a:solidFill>
+              </a:rPr>
+              <a:t>Type</a:t>
+            </a:r>
+            <a:r>
+              <a:rPr lang="es-MX" sz="2800" b="1" dirty="0">
+                <a:solidFill>
+                  <a:srgbClr val="FFFF00"/>
+                </a:solidFill>
+              </a:rPr>
+              <a:t>: </a:t>
+            </a:r>
+            <a:r>
+              <a:rPr lang="es-MX" sz="2800" b="1" dirty="0" err="1">
+                <a:solidFill>
+                  <a:srgbClr val="FFFF00"/>
+                </a:solidFill>
+              </a:rPr>
+              <a:t>Behavioral</a:t>
+            </a:r>
+            <a:endParaRPr lang="en-US" sz="2800" b="1" dirty="0">
+              <a:solidFill>
+                <a:srgbClr val="FFFF00"/>
+              </a:solidFill>
+            </a:endParaRPr>
+          </a:p>
+        </p:txBody>
+      </p:sp>
+      <p:sp>
+        <p:nvSpPr>
+          <p:cNvPr id="10" name="TextBox 9">
+            <a:extLst>
+              <a:ext uri="{FF2B5EF4-FFF2-40B4-BE49-F238E27FC236}">
+                <a16:creationId xmlns:a16="http://schemas.microsoft.com/office/drawing/2014/main" id="{B9931D61-61E0-49C1-AEFA-EF0ABADA6A4B}"/>
               </a:ext>
             </a:extLst>
           </p:cNvPr>
@@ -9086,131 +9213,8 @@
                 </a:solidFill>
                 <a:latin typeface="+mn-lt"/>
               </a:rPr>
-              <a:t>(Pattern)</a:t>
-            </a:r>
-          </a:p>
-        </p:txBody>
-      </p:sp>
-      <p:sp>
-        <p:nvSpPr>
-          <p:cNvPr id="3" name="TextBox 2">
-            <a:extLst>
-              <a:ext uri="{FF2B5EF4-FFF2-40B4-BE49-F238E27FC236}">
-                <a16:creationId xmlns:a16="http://schemas.microsoft.com/office/drawing/2014/main" id="{A9BB4B3B-B59F-4579-910A-41EF912D001A}"/>
-              </a:ext>
-            </a:extLst>
-          </p:cNvPr>
-          <p:cNvSpPr txBox="1"/>
-          <p:nvPr/>
-        </p:nvSpPr>
-        <p:spPr>
-          <a:xfrm>
-            <a:off x="673561" y="3128057"/>
-            <a:ext cx="1700209" cy="461665"/>
-          </a:xfrm>
-          <a:prstGeom prst="rect">
-            <a:avLst/>
-          </a:prstGeom>
-          <a:noFill/>
-        </p:spPr>
-        <p:txBody>
-          <a:bodyPr wrap="none" rtlCol="0">
-            <a:spAutoFit/>
-          </a:bodyPr>
-          <a:lstStyle/>
-          <a:p>
-            <a:pPr algn="ctr"/>
-            <a:r>
-              <a:rPr lang="en-US" sz="2400" b="1">
-                <a:solidFill>
-                  <a:schemeClr val="bg1"/>
-                </a:solidFill>
-              </a:rPr>
-              <a:t>Participants</a:t>
-            </a:r>
-            <a:endParaRPr lang="en-US" sz="2400" b="1" dirty="0">
-              <a:solidFill>
-                <a:schemeClr val="bg1"/>
-              </a:solidFill>
-            </a:endParaRPr>
-          </a:p>
-        </p:txBody>
-      </p:sp>
-      <p:sp>
-        <p:nvSpPr>
-          <p:cNvPr id="15" name="TextBox 14">
-            <a:extLst>
-              <a:ext uri="{FF2B5EF4-FFF2-40B4-BE49-F238E27FC236}">
-                <a16:creationId xmlns:a16="http://schemas.microsoft.com/office/drawing/2014/main" id="{0CA3A5F9-0B96-4275-8B63-B57EB9824454}"/>
-              </a:ext>
-            </a:extLst>
-          </p:cNvPr>
-          <p:cNvSpPr txBox="1"/>
-          <p:nvPr/>
-        </p:nvSpPr>
-        <p:spPr>
-          <a:xfrm>
-            <a:off x="91395" y="246614"/>
-            <a:ext cx="2237151" cy="954107"/>
-          </a:xfrm>
-          <a:prstGeom prst="rect">
-            <a:avLst/>
-          </a:prstGeom>
-          <a:noFill/>
-        </p:spPr>
-        <p:txBody>
-          <a:bodyPr wrap="none" rtlCol="0">
-            <a:spAutoFit/>
-          </a:bodyPr>
-          <a:lstStyle/>
-          <a:p>
-            <a:r>
-              <a:rPr lang="es-MX" sz="2800" b="1" dirty="0">
-                <a:solidFill>
-                  <a:srgbClr val="FFFF00"/>
-                </a:solidFill>
-              </a:rPr>
-              <a:t>(</a:t>
-            </a:r>
-            <a:r>
-              <a:rPr lang="es-MX" sz="2800" b="1" dirty="0" err="1">
-                <a:solidFill>
-                  <a:srgbClr val="FFFF00"/>
-                </a:solidFill>
-              </a:rPr>
-              <a:t>Type</a:t>
-            </a:r>
-            <a:r>
-              <a:rPr lang="es-MX" sz="2800" b="1" dirty="0">
-                <a:solidFill>
-                  <a:srgbClr val="FFFF00"/>
-                </a:solidFill>
-              </a:rPr>
-              <a:t>)</a:t>
-            </a:r>
-          </a:p>
-          <a:p>
-            <a:r>
-              <a:rPr lang="es-MX" sz="2800" b="1" dirty="0">
-                <a:solidFill>
-                  <a:srgbClr val="FFFF00"/>
-                </a:solidFill>
-              </a:rPr>
-              <a:t>Ex. </a:t>
-            </a:r>
-            <a:r>
-              <a:rPr lang="es-MX" sz="2800" b="1" dirty="0" err="1">
-                <a:solidFill>
-                  <a:srgbClr val="FFFF00"/>
-                </a:solidFill>
-              </a:rPr>
-              <a:t>Creational</a:t>
-            </a:r>
-            <a:endParaRPr lang="en-US" sz="2800" b="1" dirty="0">
-              <a:solidFill>
-                <a:srgbClr val="FFFF00"/>
-              </a:solidFill>
-            </a:endParaRPr>
+              <a:t>Mediator</a:t>
+            </a:r>
           </a:p>
         </p:txBody>
       </p:sp>
@@ -9325,10 +9329,150 @@
       </p:pic>
       <p:sp>
         <p:nvSpPr>
-          <p:cNvPr id="9" name="TextBox 8">
-            <a:extLst>
-              <a:ext uri="{FF2B5EF4-FFF2-40B4-BE49-F238E27FC236}">
-                <a16:creationId xmlns:a16="http://schemas.microsoft.com/office/drawing/2014/main" id="{89B56C39-9A91-8F4F-9AF9-BFCBAD7500CA}"/>
+          <p:cNvPr id="3" name="TextBox 2">
+            <a:extLst>
+              <a:ext uri="{FF2B5EF4-FFF2-40B4-BE49-F238E27FC236}">
+                <a16:creationId xmlns:a16="http://schemas.microsoft.com/office/drawing/2014/main" id="{A9BB4B3B-B59F-4579-910A-41EF912D001A}"/>
+              </a:ext>
+            </a:extLst>
+          </p:cNvPr>
+          <p:cNvSpPr txBox="1"/>
+          <p:nvPr/>
+        </p:nvSpPr>
+        <p:spPr>
+          <a:xfrm>
+            <a:off x="506399" y="3126968"/>
+            <a:ext cx="2034532" cy="461665"/>
+          </a:xfrm>
+          <a:prstGeom prst="rect">
+            <a:avLst/>
+          </a:prstGeom>
+          <a:noFill/>
+        </p:spPr>
+        <p:txBody>
+          <a:bodyPr wrap="none" rtlCol="0">
+            <a:spAutoFit/>
+          </a:bodyPr>
+          <a:lstStyle/>
+          <a:p>
+            <a:pPr algn="ctr"/>
+            <a:r>
+              <a:rPr lang="en-US" sz="2400" b="1">
+                <a:solidFill>
+                  <a:schemeClr val="bg1"/>
+                </a:solidFill>
+              </a:rPr>
+              <a:t>Collaborations</a:t>
+            </a:r>
+            <a:endParaRPr lang="en-US" sz="2400" b="1" dirty="0">
+              <a:solidFill>
+                <a:schemeClr val="bg1"/>
+              </a:solidFill>
+            </a:endParaRPr>
+          </a:p>
+        </p:txBody>
+      </p:sp>
+      <p:sp>
+        <p:nvSpPr>
+          <p:cNvPr id="7" name="TextBox 6">
+            <a:extLst>
+              <a:ext uri="{FF2B5EF4-FFF2-40B4-BE49-F238E27FC236}">
+                <a16:creationId xmlns:a16="http://schemas.microsoft.com/office/drawing/2014/main" id="{42BD0AB0-FD16-42BC-8804-13F04B102509}"/>
+              </a:ext>
+            </a:extLst>
+          </p:cNvPr>
+          <p:cNvSpPr txBox="1"/>
+          <p:nvPr/>
+        </p:nvSpPr>
+        <p:spPr>
+          <a:xfrm>
+            <a:off x="3295935" y="2110085"/>
+            <a:ext cx="5691116" cy="923330"/>
+          </a:xfrm>
+          <a:prstGeom prst="rect">
+            <a:avLst/>
+          </a:prstGeom>
+          <a:noFill/>
+        </p:spPr>
+        <p:txBody>
+          <a:bodyPr wrap="square" rtlCol="0">
+            <a:spAutoFit/>
+          </a:bodyPr>
+          <a:lstStyle/>
+          <a:p>
+            <a:r>
+              <a:rPr lang="en-US" dirty="0"/>
+              <a:t>Several components can communicate with each other to collaborate on their tasks in an ordered fashion by notifying a Mediator about their tasks.</a:t>
+            </a:r>
+          </a:p>
+        </p:txBody>
+      </p:sp>
+      <p:sp>
+        <p:nvSpPr>
+          <p:cNvPr id="8" name="TextBox 7">
+            <a:extLst>
+              <a:ext uri="{FF2B5EF4-FFF2-40B4-BE49-F238E27FC236}">
+                <a16:creationId xmlns:a16="http://schemas.microsoft.com/office/drawing/2014/main" id="{0397DCDC-1CEB-44AF-9291-4571BC9A35A9}"/>
+              </a:ext>
+            </a:extLst>
+          </p:cNvPr>
+          <p:cNvSpPr txBox="1"/>
+          <p:nvPr/>
+        </p:nvSpPr>
+        <p:spPr>
+          <a:xfrm>
+            <a:off x="91395" y="246614"/>
+            <a:ext cx="2661178" cy="523220"/>
+          </a:xfrm>
+          <a:prstGeom prst="rect">
+            <a:avLst/>
+          </a:prstGeom>
+          <a:noFill/>
+        </p:spPr>
+        <p:txBody>
+          <a:bodyPr wrap="none" rtlCol="0">
+            <a:spAutoFit/>
+          </a:bodyPr>
+          <a:lstStyle/>
+          <a:p>
+            <a:r>
+              <a:rPr lang="es-MX" sz="2800" b="1" dirty="0" err="1">
+                <a:solidFill>
+                  <a:srgbClr val="FFFF00"/>
+                </a:solidFill>
+              </a:rPr>
+              <a:t>Type</a:t>
+            </a:r>
+            <a:r>
+              <a:rPr lang="es-MX" sz="2800" b="1" dirty="0">
+                <a:solidFill>
+                  <a:srgbClr val="FFFF00"/>
+                </a:solidFill>
+              </a:rPr>
+              <a:t>: </a:t>
+            </a:r>
+            <a:r>
+              <a:rPr lang="es-MX" sz="2800" b="1" dirty="0" err="1">
+                <a:solidFill>
+                  <a:srgbClr val="FFFF00"/>
+                </a:solidFill>
+              </a:rPr>
+              <a:t>Behavioral</a:t>
+            </a:r>
+            <a:endParaRPr lang="en-US" sz="2800" b="1" dirty="0">
+              <a:solidFill>
+                <a:srgbClr val="FFFF00"/>
+              </a:solidFill>
+            </a:endParaRPr>
+          </a:p>
+        </p:txBody>
+      </p:sp>
+      <p:sp>
+        <p:nvSpPr>
+          <p:cNvPr id="10" name="TextBox 9">
+            <a:extLst>
+              <a:ext uri="{FF2B5EF4-FFF2-40B4-BE49-F238E27FC236}">
+                <a16:creationId xmlns:a16="http://schemas.microsoft.com/office/drawing/2014/main" id="{DD11F896-8BAF-4A5F-968C-3306A1F8E331}"/>
               </a:ext>
             </a:extLst>
           </p:cNvPr>
@@ -9379,131 +9523,8 @@
                 </a:solidFill>
                 <a:latin typeface="+mn-lt"/>
               </a:rPr>
-              <a:t>(Pattern)</a:t>
-            </a:r>
-          </a:p>
-        </p:txBody>
-      </p:sp>
-      <p:sp>
-        <p:nvSpPr>
-          <p:cNvPr id="3" name="TextBox 2">
-            <a:extLst>
-              <a:ext uri="{FF2B5EF4-FFF2-40B4-BE49-F238E27FC236}">
-                <a16:creationId xmlns:a16="http://schemas.microsoft.com/office/drawing/2014/main" id="{A9BB4B3B-B59F-4579-910A-41EF912D001A}"/>
-              </a:ext>
-            </a:extLst>
-          </p:cNvPr>
-          <p:cNvSpPr txBox="1"/>
-          <p:nvPr/>
-        </p:nvSpPr>
-        <p:spPr>
-          <a:xfrm>
-            <a:off x="506399" y="3126968"/>
-            <a:ext cx="2034532" cy="461665"/>
-          </a:xfrm>
-          <a:prstGeom prst="rect">
-            <a:avLst/>
-          </a:prstGeom>
-          <a:noFill/>
-        </p:spPr>
-        <p:txBody>
-          <a:bodyPr wrap="none" rtlCol="0">
-            <a:spAutoFit/>
-          </a:bodyPr>
-          <a:lstStyle/>
-          <a:p>
-            <a:pPr algn="ctr"/>
-            <a:r>
-              <a:rPr lang="en-US" sz="2400" b="1">
-                <a:solidFill>
-                  <a:schemeClr val="bg1"/>
-                </a:solidFill>
-              </a:rPr>
-              <a:t>Collaborations</a:t>
-            </a:r>
-            <a:endParaRPr lang="en-US" sz="2400" b="1" dirty="0">
-              <a:solidFill>
-                <a:schemeClr val="bg1"/>
-              </a:solidFill>
-            </a:endParaRPr>
-          </a:p>
-        </p:txBody>
-      </p:sp>
-      <p:sp>
-        <p:nvSpPr>
-          <p:cNvPr id="15" name="TextBox 14">
-            <a:extLst>
-              <a:ext uri="{FF2B5EF4-FFF2-40B4-BE49-F238E27FC236}">
-                <a16:creationId xmlns:a16="http://schemas.microsoft.com/office/drawing/2014/main" id="{0CA3A5F9-0B96-4275-8B63-B57EB9824454}"/>
-              </a:ext>
-            </a:extLst>
-          </p:cNvPr>
-          <p:cNvSpPr txBox="1"/>
-          <p:nvPr/>
-        </p:nvSpPr>
-        <p:spPr>
-          <a:xfrm>
-            <a:off x="91395" y="246614"/>
-            <a:ext cx="2237151" cy="954107"/>
-          </a:xfrm>
-          <a:prstGeom prst="rect">
-            <a:avLst/>
-          </a:prstGeom>
-          <a:noFill/>
-        </p:spPr>
-        <p:txBody>
-          <a:bodyPr wrap="none" rtlCol="0">
-            <a:spAutoFit/>
-          </a:bodyPr>
-          <a:lstStyle/>
-          <a:p>
-            <a:r>
-              <a:rPr lang="es-MX" sz="2800" b="1" dirty="0">
-                <a:solidFill>
-                  <a:srgbClr val="FFFF00"/>
-                </a:solidFill>
-              </a:rPr>
-              <a:t>(</a:t>
-            </a:r>
-            <a:r>
-              <a:rPr lang="es-MX" sz="2800" b="1" dirty="0" err="1">
-                <a:solidFill>
-                  <a:srgbClr val="FFFF00"/>
-                </a:solidFill>
-              </a:rPr>
-              <a:t>Type</a:t>
-            </a:r>
-            <a:r>
-              <a:rPr lang="es-MX" sz="2800" b="1" dirty="0">
-                <a:solidFill>
-                  <a:srgbClr val="FFFF00"/>
-                </a:solidFill>
-              </a:rPr>
-              <a:t>)</a:t>
-            </a:r>
-          </a:p>
-          <a:p>
-            <a:r>
-              <a:rPr lang="es-MX" sz="2800" b="1" dirty="0">
-                <a:solidFill>
-                  <a:srgbClr val="FFFF00"/>
-                </a:solidFill>
-              </a:rPr>
-              <a:t>Ex. </a:t>
-            </a:r>
-            <a:r>
-              <a:rPr lang="es-MX" sz="2800" b="1" dirty="0" err="1">
-                <a:solidFill>
-                  <a:srgbClr val="FFFF00"/>
-                </a:solidFill>
-              </a:rPr>
-              <a:t>Creational</a:t>
-            </a:r>
-            <a:endParaRPr lang="en-US" sz="2800" b="1" dirty="0">
-              <a:solidFill>
-                <a:srgbClr val="FFFF00"/>
-              </a:solidFill>
-            </a:endParaRPr>
+              <a:t>Mediator</a:t>
+            </a:r>
           </a:p>
         </p:txBody>
       </p:sp>
@@ -9618,10 +9639,115 @@
       </p:pic>
       <p:sp>
         <p:nvSpPr>
-          <p:cNvPr id="9" name="TextBox 8">
-            <a:extLst>
-              <a:ext uri="{FF2B5EF4-FFF2-40B4-BE49-F238E27FC236}">
-                <a16:creationId xmlns:a16="http://schemas.microsoft.com/office/drawing/2014/main" id="{89B56C39-9A91-8F4F-9AF9-BFCBAD7500CA}"/>
+          <p:cNvPr id="7" name="TextBox 6">
+            <a:extLst>
+              <a:ext uri="{FF2B5EF4-FFF2-40B4-BE49-F238E27FC236}">
+                <a16:creationId xmlns:a16="http://schemas.microsoft.com/office/drawing/2014/main" id="{08276CE7-9BE4-4637-97B9-9608005FFAB5}"/>
+              </a:ext>
+            </a:extLst>
+          </p:cNvPr>
+          <p:cNvSpPr txBox="1"/>
+          <p:nvPr/>
+        </p:nvSpPr>
+        <p:spPr>
+          <a:xfrm>
+            <a:off x="516017" y="3114471"/>
+            <a:ext cx="2015295" cy="461665"/>
+          </a:xfrm>
+          <a:prstGeom prst="rect">
+            <a:avLst/>
+          </a:prstGeom>
+          <a:noFill/>
+        </p:spPr>
+        <p:txBody>
+          <a:bodyPr wrap="none" rtlCol="0">
+            <a:spAutoFit/>
+          </a:bodyPr>
+          <a:lstStyle/>
+          <a:p>
+            <a:pPr algn="ctr"/>
+            <a:r>
+              <a:rPr lang="en-US" sz="2400" b="1">
+                <a:solidFill>
+                  <a:schemeClr val="bg1"/>
+                </a:solidFill>
+              </a:rPr>
+              <a:t>Consequences</a:t>
+            </a:r>
+            <a:endParaRPr lang="en-US" sz="2400" b="1" dirty="0">
+              <a:solidFill>
+                <a:schemeClr val="bg1"/>
+              </a:solidFill>
+            </a:endParaRPr>
+          </a:p>
+        </p:txBody>
+      </p:sp>
+      <p:sp>
+        <p:nvSpPr>
+          <p:cNvPr id="8" name="TextBox 7">
+            <a:extLst>
+              <a:ext uri="{FF2B5EF4-FFF2-40B4-BE49-F238E27FC236}">
+                <a16:creationId xmlns:a16="http://schemas.microsoft.com/office/drawing/2014/main" id="{D6EC6058-C151-4C94-A0AA-7E4EEA39CC26}"/>
+              </a:ext>
+            </a:extLst>
+          </p:cNvPr>
+          <p:cNvSpPr txBox="1"/>
+          <p:nvPr/>
+        </p:nvSpPr>
+        <p:spPr>
+          <a:xfrm>
+            <a:off x="91395" y="246614"/>
+            <a:ext cx="2661178" cy="523220"/>
+          </a:xfrm>
+          <a:prstGeom prst="rect">
+            <a:avLst/>
+          </a:prstGeom>
+          <a:noFill/>
+        </p:spPr>
+        <p:txBody>
+          <a:bodyPr wrap="none" rtlCol="0">
+            <a:spAutoFit/>
+          </a:bodyPr>
+          <a:lstStyle/>
+          <a:p>
+            <a:r>
+              <a:rPr lang="es-MX" sz="2800" b="1" dirty="0" err="1">
+                <a:solidFill>
+                  <a:srgbClr val="FFFF00"/>
+                </a:solidFill>
+              </a:rPr>
+              <a:t>Type</a:t>
+            </a:r>
+            <a:r>
+              <a:rPr lang="es-MX" sz="2800" b="1" dirty="0">
+                <a:solidFill>
+                  <a:srgbClr val="FFFF00"/>
+                </a:solidFill>
+              </a:rPr>
+              <a:t>: </a:t>
+            </a:r>
+            <a:r>
+              <a:rPr lang="es-MX" sz="2800" b="1" dirty="0" err="1">
+                <a:solidFill>
+                  <a:srgbClr val="FFFF00"/>
+                </a:solidFill>
+              </a:rPr>
+              <a:t>Behavioral</a:t>
+            </a:r>
+            <a:endParaRPr lang="en-US" sz="2800" b="1" dirty="0">
+              <a:solidFill>
+                <a:srgbClr val="FFFF00"/>
+              </a:solidFill>
+            </a:endParaRPr>
+          </a:p>
+        </p:txBody>
+      </p:sp>
+      <p:sp>
+        <p:nvSpPr>
+          <p:cNvPr id="10" name="TextBox 9">
+            <a:extLst>
+              <a:ext uri="{FF2B5EF4-FFF2-40B4-BE49-F238E27FC236}">
+                <a16:creationId xmlns:a16="http://schemas.microsoft.com/office/drawing/2014/main" id="{AFE9464F-4B02-44F0-A9FB-AEA63E22FDCF}"/>
               </a:ext>
             </a:extLst>
           </p:cNvPr>
@@ -9672,17 +9798,17 @@
                 </a:solidFill>
                 <a:latin typeface="+mn-lt"/>
               </a:rPr>
-              <a:t>(Pattern)</a:t>
-            </a:r>
-          </a:p>
-        </p:txBody>
-      </p:sp>
-      <p:sp>
-        <p:nvSpPr>
-          <p:cNvPr id="15" name="TextBox 14">
-            <a:extLst>
-              <a:ext uri="{FF2B5EF4-FFF2-40B4-BE49-F238E27FC236}">
-                <a16:creationId xmlns:a16="http://schemas.microsoft.com/office/drawing/2014/main" id="{0CA3A5F9-0B96-4275-8B63-B57EB9824454}"/>
+              <a:t>Mediator</a:t>
+            </a:r>
+          </a:p>
+        </p:txBody>
+      </p:sp>
+      <p:sp>
+        <p:nvSpPr>
+          <p:cNvPr id="11" name="TextBox 10">
+            <a:extLst>
+              <a:ext uri="{FF2B5EF4-FFF2-40B4-BE49-F238E27FC236}">
+                <a16:creationId xmlns:a16="http://schemas.microsoft.com/office/drawing/2014/main" id="{69B2BEC6-C889-424C-AB27-9F0704A27887}"/>
               </a:ext>
             </a:extLst>
           </p:cNvPr>
@@ -9691,8 +9817,8 @@
         </p:nvSpPr>
         <p:spPr>
           <a:xfrm>
-            <a:off x="91395" y="246614"/>
-            <a:ext cx="2237151" cy="954107"/>
+            <a:off x="3295935" y="2387084"/>
+            <a:ext cx="5691116" cy="369332"/>
           </a:xfrm>
           <a:prstGeom prst="rect">
             <a:avLst/>
@@ -9700,103 +9826,25 @@
           <a:noFill/>
         </p:spPr>
         <p:txBody>
-          <a:bodyPr wrap="none" rtlCol="0">
+          <a:bodyPr wrap="square" rtlCol="0">
             <a:spAutoFit/>
           </a:bodyPr>
           <a:lstStyle/>
           <a:p>
             <a:r>
-              <a:rPr lang="es-MX" sz="2800" b="1" dirty="0">
-                <a:solidFill>
-                  <a:srgbClr val="FFFF00"/>
-                </a:solidFill>
+              <a:rPr lang="en-US" dirty="0"/>
+              <a:t>Over time, a mediator can become a </a:t>
+            </a:r>
+            <a:r>
+              <a:rPr lang="en-US" i="1" dirty="0">
+                <a:hlinkClick r:id="rId4"/>
               </a:rPr>
-              <a:t>(</a:t>
-            </a:r>
-            <a:r>
-              <a:rPr lang="es-MX" sz="2800" b="1" dirty="0" err="1">
-                <a:solidFill>
-                  <a:srgbClr val="FFFF00"/>
-                </a:solidFill>
-              </a:rPr>
-              <a:t>Type</a:t>
-            </a:r>
-            <a:r>
-              <a:rPr lang="es-MX" sz="2800" b="1" dirty="0">
-                <a:solidFill>
-                  <a:srgbClr val="FFFF00"/>
-                </a:solidFill>
-              </a:rPr>
-              <a:t>)</a:t>
-            </a:r>
-          </a:p>
-          <a:p>
-            <a:r>
-              <a:rPr lang="es-MX" sz="2800" b="1" dirty="0">
-                <a:solidFill>
-                  <a:srgbClr val="FFFF00"/>
-                </a:solidFill>
-              </a:rPr>
-              <a:t>Ex. </a:t>
-            </a:r>
-            <a:r>
-              <a:rPr lang="es-MX" sz="2800" b="1" dirty="0" err="1">
-                <a:solidFill>
-                  <a:srgbClr val="FFFF00"/>
-                </a:solidFill>
-              </a:rPr>
-              <a:t>Creational</a:t>
-            </a:r>
-            <a:endParaRPr lang="en-US" sz="2800" b="1" dirty="0">
-              <a:solidFill>
-                <a:srgbClr val="FFFF00"/>
-              </a:solidFill>
-            </a:endParaRPr>
-          </a:p>
-        </p:txBody>
-      </p:sp>
-      <p:sp>
-        <p:nvSpPr>
-          <p:cNvPr id="7" name="TextBox 6">
-            <a:extLst>
-              <a:ext uri="{FF2B5EF4-FFF2-40B4-BE49-F238E27FC236}">
-                <a16:creationId xmlns:a16="http://schemas.microsoft.com/office/drawing/2014/main" id="{08276CE7-9BE4-4637-97B9-9608005FFAB5}"/>
-              </a:ext>
-            </a:extLst>
-          </p:cNvPr>
-          <p:cNvSpPr txBox="1"/>
-          <p:nvPr/>
-        </p:nvSpPr>
-        <p:spPr>
-          <a:xfrm>
-            <a:off x="516017" y="3114471"/>
-            <a:ext cx="2015295" cy="461665"/>
-          </a:xfrm>
-          <a:prstGeom prst="rect">
-            <a:avLst/>
-          </a:prstGeom>
-          <a:noFill/>
-        </p:spPr>
-        <p:txBody>
-          <a:bodyPr wrap="none" rtlCol="0">
-            <a:spAutoFit/>
-          </a:bodyPr>
-          <a:lstStyle/>
-          <a:p>
-            <a:pPr algn="ctr"/>
-            <a:r>
-              <a:rPr lang="en-US" sz="2400" b="1">
-                <a:solidFill>
-                  <a:schemeClr val="bg1"/>
-                </a:solidFill>
-              </a:rPr>
-              <a:t>Consequences</a:t>
-            </a:r>
-            <a:endParaRPr lang="en-US" sz="2400" b="1" dirty="0">
-              <a:solidFill>
-                <a:schemeClr val="bg1"/>
-              </a:solidFill>
-            </a:endParaRPr>
+              <a:t>God Object</a:t>
+            </a:r>
+            <a:r>
+              <a:rPr lang="en-US" dirty="0"/>
+              <a:t>.</a:t>
+            </a:r>
           </a:p>
         </p:txBody>
       </p:sp>
@@ -10698,7 +10746,58 @@
 </a:theme>
 </file>
 
+<file path=ppt/theme/themeOverride1.xml><?xml version="1.0" encoding="utf-8"?>
+<a:themeOverride xmlns:a="http://schemas.openxmlformats.org/drawingml/2006/main">
+  <a:clrScheme name=" 1">
+    <a:dk1>
+      <a:srgbClr val="5E5E5E"/>
+    </a:dk1>
+    <a:lt1>
+      <a:srgbClr val="F8F8F8"/>
+    </a:lt1>
+    <a:dk2>
+      <a:srgbClr val="FF675C"/>
+    </a:dk2>
+    <a:lt2>
+      <a:srgbClr val="56C8EB"/>
+    </a:lt2>
+    <a:accent1>
+      <a:srgbClr val="FFB53F"/>
+    </a:accent1>
+    <a:accent2>
+      <a:srgbClr val="00CFB5"/>
+    </a:accent2>
+    <a:accent3>
+      <a:srgbClr val="FF675C"/>
+    </a:accent3>
+    <a:accent4>
+      <a:srgbClr val="5E5E5E"/>
+    </a:accent4>
+    <a:accent5>
+      <a:srgbClr val="AC5254"/>
+    </a:accent5>
+    <a:accent6>
+      <a:srgbClr val="56C8EB"/>
+    </a:accent6>
+    <a:hlink>
+      <a:srgbClr val="0563C1"/>
+    </a:hlink>
+    <a:folHlink>
+      <a:srgbClr val="954F72"/>
+    </a:folHlink>
+  </a:clrScheme>
+</a:themeOverride>
+</file>
+
 <file path=customXml/item1.xml><?xml version="1.0" encoding="utf-8"?>
+<p:properties xmlns:p="http://schemas.microsoft.com/office/2006/metadata/properties" xmlns:xsi="http://www.w3.org/2001/XMLSchema-instance" xmlns:pc="http://schemas.microsoft.com/office/infopath/2007/PartnerControls">
+  <documentManagement>
+    <Comments xmlns="763e7882-635c-4cc5-9e4c-3f50d6b5b1a0">Add a comment</Comments>
+  </documentManagement>
+</p:properties>
+</file>
+
+<file path=customXml/item2.xml><?xml version="1.0" encoding="utf-8"?>
 <ct:contentTypeSchema xmlns:ct="http://schemas.microsoft.com/office/2006/metadata/contentType" xmlns:ma="http://schemas.microsoft.com/office/2006/metadata/properties/metaAttributes" ct:_="" ma:_="" ma:contentTypeName="Document" ma:contentTypeID="0x010100771849B2853C5942819AFD4B3480265A" ma:contentTypeVersion="12" ma:contentTypeDescription="Create a new document." ma:contentTypeScope="" ma:versionID="4642f6831e4367869d55b89fa0d2a1e9">
   <xsd:schema xmlns:xsd="http://www.w3.org/2001/XMLSchema" xmlns:xs="http://www.w3.org/2001/XMLSchema" xmlns:p="http://schemas.microsoft.com/office/2006/metadata/properties" xmlns:ns2="763e7882-635c-4cc5-9e4c-3f50d6b5b1a0" xmlns:ns3="5b162adf-41e4-46cb-a396-5a31daac09d5" targetNamespace="http://schemas.microsoft.com/office/2006/metadata/properties" ma:root="true" ma:fieldsID="0b69e93ab464ab01c6d6a6325b80bae9" ns2:_="" ns3:_="">
     <xsd:import namespace="763e7882-635c-4cc5-9e4c-3f50d6b5b1a0"/>
@@ -10917,14 +11016,6 @@
 </ct:contentTypeSchema>
 </file>
 
-<file path=customXml/item2.xml><?xml version="1.0" encoding="utf-8"?>
-<p:properties xmlns:p="http://schemas.microsoft.com/office/2006/metadata/properties" xmlns:xsi="http://www.w3.org/2001/XMLSchema-instance" xmlns:pc="http://schemas.microsoft.com/office/infopath/2007/PartnerControls">
-  <documentManagement>
-    <Comments xmlns="763e7882-635c-4cc5-9e4c-3f50d6b5b1a0">Add a comment</Comments>
-  </documentManagement>
-</p:properties>
-</file>
-
 <file path=customXml/item3.xml><?xml version="1.0" encoding="utf-8"?>
 <?mso-contentType ?>
 <FormTemplates xmlns="http://schemas.microsoft.com/sharepoint/v3/contenttype/forms">
@@ -10935,6 +11026,23 @@
 </file>
 
 <file path=customXml/itemProps1.xml><?xml version="1.0" encoding="utf-8"?>
+<ds:datastoreItem xmlns:ds="http://schemas.openxmlformats.org/officeDocument/2006/customXml" ds:itemID="{042399D5-9EAB-40EA-B3A7-AE229B8C598B}">
+  <ds:schemaRefs>
+    <ds:schemaRef ds:uri="http://schemas.microsoft.com/office/2006/documentManagement/types"/>
+    <ds:schemaRef ds:uri="http://schemas.microsoft.com/office/infopath/2007/PartnerControls"/>
+    <ds:schemaRef ds:uri="763e7882-635c-4cc5-9e4c-3f50d6b5b1a0"/>
+    <ds:schemaRef ds:uri="http://purl.org/dc/elements/1.1/"/>
+    <ds:schemaRef ds:uri="http://schemas.microsoft.com/office/2006/metadata/properties"/>
+    <ds:schemaRef ds:uri="http://purl.org/dc/terms/"/>
+    <ds:schemaRef ds:uri="http://schemas.openxmlformats.org/package/2006/metadata/core-properties"/>
+    <ds:schemaRef ds:uri="5b162adf-41e4-46cb-a396-5a31daac09d5"/>
+    <ds:schemaRef ds:uri="http://www.w3.org/XML/1998/namespace"/>
+    <ds:schemaRef ds:uri="http://purl.org/dc/dcmitype/"/>
+  </ds:schemaRefs>
+</ds:datastoreItem>
+</file>
+
+<file path=customXml/itemProps2.xml><?xml version="1.0" encoding="utf-8"?>
 <ds:datastoreItem xmlns:ds="http://schemas.openxmlformats.org/officeDocument/2006/customXml" ds:itemID="{B216824D-1A5C-4261-8C78-F1A8E5FEC8F2}">
   <ds:schemaRefs>
     <ds:schemaRef ds:uri="5b162adf-41e4-46cb-a396-5a31daac09d5"/>
@@ -10953,23 +11061,6 @@
 </ds:datastoreItem>
 </file>
 
-<file path=customXml/itemProps2.xml><?xml version="1.0" encoding="utf-8"?>
-<ds:datastoreItem xmlns:ds="http://schemas.openxmlformats.org/officeDocument/2006/customXml" ds:itemID="{042399D5-9EAB-40EA-B3A7-AE229B8C598B}">
-  <ds:schemaRefs>
-    <ds:schemaRef ds:uri="http://schemas.microsoft.com/office/2006/documentManagement/types"/>
-    <ds:schemaRef ds:uri="http://schemas.microsoft.com/office/infopath/2007/PartnerControls"/>
-    <ds:schemaRef ds:uri="763e7882-635c-4cc5-9e4c-3f50d6b5b1a0"/>
-    <ds:schemaRef ds:uri="http://purl.org/dc/elements/1.1/"/>
-    <ds:schemaRef ds:uri="http://schemas.microsoft.com/office/2006/metadata/properties"/>
-    <ds:schemaRef ds:uri="http://purl.org/dc/terms/"/>
-    <ds:schemaRef ds:uri="http://schemas.openxmlformats.org/package/2006/metadata/core-properties"/>
-    <ds:schemaRef ds:uri="5b162adf-41e4-46cb-a396-5a31daac09d5"/>
-    <ds:schemaRef ds:uri="http://www.w3.org/XML/1998/namespace"/>
-    <ds:schemaRef ds:uri="http://purl.org/dc/dcmitype/"/>
-  </ds:schemaRefs>
-</ds:datastoreItem>
-</file>
-
 <file path=customXml/itemProps3.xml><?xml version="1.0" encoding="utf-8"?>
 <ds:datastoreItem xmlns:ds="http://schemas.openxmlformats.org/officeDocument/2006/customXml" ds:itemID="{4D540AE2-F5F2-4CCC-928E-E0CA0A275CAE}">
   <ds:schemaRefs>

--- a/docs/Coding CoE - Mediator.pptx
+++ b/docs/Coding CoE - Mediator.pptx
@@ -268,7 +268,7 @@
           <a:p>
             <a:fld id="{B721A51E-2867-4112-8820-EE41172CFE34}" type="datetimeFigureOut">
               <a:rPr lang="en-US" smtClean="0"/>
-              <a:t>1/25/2022</a:t>
+              <a:t>1/26/2022</a:t>
             </a:fld>
             <a:endParaRPr lang="en-US"/>
           </a:p>
@@ -445,7 +445,7 @@
           <a:p>
             <a:fld id="{BD56F586-25E9-AE44-A8D9-F99A647777D8}" type="datetimeFigureOut">
               <a:rPr lang="en-US" smtClean="0"/>
-              <a:t>1/25/2022</a:t>
+              <a:t>1/26/2022</a:t>
             </a:fld>
             <a:endParaRPr lang="en-US"/>
           </a:p>
@@ -840,6 +840,77 @@
           <a:bodyPr/>
           <a:lstStyle/>
           <a:p>
+            <a:r>
+              <a:rPr lang="en-US" dirty="0"/>
+              <a:t>- </a:t>
+            </a:r>
+            <a:r>
+              <a:rPr lang="en-US" b="0" i="0" dirty="0">
+                <a:solidFill>
+                  <a:srgbClr val="BDB7AF"/>
+                </a:solidFill>
+                <a:effectLst/>
+                <a:latin typeface="PT Sans" panose="020B0503020203020204" pitchFamily="34" charset="0"/>
+              </a:rPr>
+              <a:t>Identify a group of tightly coupled classes which would benefit from being more independent.</a:t>
+            </a:r>
+            <a:br>
+              <a:rPr lang="en-US" b="0" i="0" dirty="0">
+                <a:solidFill>
+                  <a:srgbClr val="BDB7AF"/>
+                </a:solidFill>
+                <a:effectLst/>
+                <a:latin typeface="PT Sans" panose="020B0503020203020204" pitchFamily="34" charset="0"/>
+              </a:rPr>
+            </a:br>
+            <a:r>
+              <a:rPr lang="en-US" b="0" i="0" dirty="0">
+                <a:solidFill>
+                  <a:srgbClr val="BDB7AF"/>
+                </a:solidFill>
+                <a:effectLst/>
+                <a:latin typeface="PT Sans" panose="020B0503020203020204" pitchFamily="34" charset="0"/>
+              </a:rPr>
+              <a:t>- Declare the mediator interface.</a:t>
+            </a:r>
+            <a:br>
+              <a:rPr lang="en-US" b="0" i="0" dirty="0">
+                <a:solidFill>
+                  <a:srgbClr val="BDB7AF"/>
+                </a:solidFill>
+                <a:effectLst/>
+                <a:latin typeface="PT Sans" panose="020B0503020203020204" pitchFamily="34" charset="0"/>
+              </a:rPr>
+            </a:br>
+            <a:r>
+              <a:rPr lang="en-US" b="0" i="0" dirty="0">
+                <a:solidFill>
+                  <a:srgbClr val="BDB7AF"/>
+                </a:solidFill>
+                <a:effectLst/>
+                <a:latin typeface="PT Sans" panose="020B0503020203020204" pitchFamily="34" charset="0"/>
+              </a:rPr>
+              <a:t>- Implement a mediator class.</a:t>
+            </a:r>
+            <a:br>
+              <a:rPr lang="en-US" b="0" i="0" dirty="0">
+                <a:solidFill>
+                  <a:srgbClr val="BDB7AF"/>
+                </a:solidFill>
+                <a:effectLst/>
+                <a:latin typeface="PT Sans" panose="020B0503020203020204" pitchFamily="34" charset="0"/>
+              </a:rPr>
+            </a:br>
+            <a:r>
+              <a:rPr lang="en-US" b="0" i="0" dirty="0">
+                <a:solidFill>
+                  <a:srgbClr val="BDB7AF"/>
+                </a:solidFill>
+                <a:effectLst/>
+                <a:latin typeface="PT Sans" panose="020B0503020203020204" pitchFamily="34" charset="0"/>
+              </a:rPr>
+              <a:t>- Components should store a reference to the mediator class.</a:t>
+            </a:r>
             <a:endParaRPr lang="en-US" dirty="0"/>
           </a:p>
         </p:txBody>
@@ -1344,6 +1415,65 @@
           <a:bodyPr/>
           <a:lstStyle/>
           <a:p>
+            <a:r>
+              <a:rPr lang="en-US" dirty="0"/>
+              <a:t>Mediator suggests:</a:t>
+            </a:r>
+            <a:br>
+              <a:rPr lang="en-US" dirty="0"/>
+            </a:br>
+            <a:r>
+              <a:rPr lang="en-US" dirty="0"/>
+              <a:t>- </a:t>
+            </a:r>
+            <a:r>
+              <a:rPr lang="en-US" b="0" i="0" dirty="0">
+                <a:solidFill>
+                  <a:srgbClr val="BDB7AF"/>
+                </a:solidFill>
+                <a:effectLst/>
+                <a:latin typeface="PT Sans" panose="020B0503020203020204" pitchFamily="34" charset="0"/>
+              </a:rPr>
+              <a:t>cease all direct communication between the components</a:t>
+            </a:r>
+            <a:br>
+              <a:rPr lang="en-US" b="0" i="0" dirty="0">
+                <a:solidFill>
+                  <a:srgbClr val="BDB7AF"/>
+                </a:solidFill>
+                <a:effectLst/>
+                <a:latin typeface="PT Sans" panose="020B0503020203020204" pitchFamily="34" charset="0"/>
+              </a:rPr>
+            </a:br>
+            <a:r>
+              <a:rPr lang="en-US" b="0" i="0" dirty="0">
+                <a:solidFill>
+                  <a:srgbClr val="BDB7AF"/>
+                </a:solidFill>
+                <a:effectLst/>
+                <a:latin typeface="PT Sans" panose="020B0503020203020204" pitchFamily="34" charset="0"/>
+              </a:rPr>
+              <a:t>- these components must collaborate indirectly, by calling a special mediator object</a:t>
+            </a:r>
+            <a:br>
+              <a:rPr lang="en-US" b="0" i="0" dirty="0">
+                <a:solidFill>
+                  <a:srgbClr val="BDB7AF"/>
+                </a:solidFill>
+                <a:effectLst/>
+                <a:latin typeface="PT Sans" panose="020B0503020203020204" pitchFamily="34" charset="0"/>
+              </a:rPr>
+            </a:br>
+            <a:r>
+              <a:rPr lang="en-US" b="0" i="0" dirty="0">
+                <a:solidFill>
+                  <a:srgbClr val="BDB7AF"/>
+                </a:solidFill>
+                <a:effectLst/>
+                <a:latin typeface="PT Sans" panose="020B0503020203020204" pitchFamily="34" charset="0"/>
+              </a:rPr>
+              <a:t>- the components end up depending only on a single mediator</a:t>
+            </a:r>
             <a:endParaRPr lang="en-US" dirty="0"/>
           </a:p>
         </p:txBody>
@@ -1428,7 +1558,69 @@
           <a:bodyPr/>
           <a:lstStyle/>
           <a:p>
+            <a:pPr marL="171450" marR="0" lvl="0" indent="-171450" algn="l" defTabSz="914400" rtl="0" eaLnBrk="1" fontAlgn="auto" latinLnBrk="0" hangingPunct="1">
+              <a:lnSpc>
+                <a:spcPct val="100000"/>
+              </a:lnSpc>
+              <a:spcBef>
+                <a:spcPts val="0"/>
+              </a:spcBef>
+              <a:spcAft>
+                <a:spcPts val="0"/>
+              </a:spcAft>
+              <a:buClrTx/>
+              <a:buSzTx/>
+              <a:buFontTx/>
+              <a:buChar char="-"/>
+              <a:tabLst/>
+              <a:defRPr/>
+            </a:pPr>
+            <a:r>
+              <a:rPr lang="en-US" b="1" dirty="0"/>
+              <a:t>Components</a:t>
+            </a:r>
+            <a:r>
+              <a:rPr lang="en-US" dirty="0"/>
+              <a:t>: Classes with some business logic. Each component references the mediator (via interface). Each component can be reused since they don’t know the type of the mediator class, they only assume the mediator implements the interface. Components notify the mediator about their actions and can even pass arguments, if they don’t cause any coupling between the receiver component and the sender’s class.</a:t>
+            </a:r>
+          </a:p>
+          <a:p>
+            <a:pPr marL="171450" indent="-171450">
+              <a:buFontTx/>
+              <a:buChar char="-"/>
+            </a:pPr>
             <a:endParaRPr lang="en-US" dirty="0"/>
+          </a:p>
+          <a:p>
+            <a:pPr marL="171450" indent="-171450">
+              <a:buFontTx/>
+              <a:buChar char="-"/>
+            </a:pPr>
+            <a:r>
+              <a:rPr lang="en-US" b="1" dirty="0"/>
+              <a:t>Mediator:</a:t>
+            </a:r>
+            <a:r>
+              <a:rPr lang="en-US" dirty="0"/>
+              <a:t> Contains methods to communicate with the components. Can manager its own lifecycle and contains references to all its related components to encapsulate their relation.</a:t>
+            </a:r>
+          </a:p>
+          <a:p>
+            <a:pPr marL="171450" indent="-171450">
+              <a:buFontTx/>
+              <a:buChar char="-"/>
+            </a:pPr>
+            <a:endParaRPr lang="en-US" dirty="0"/>
+          </a:p>
+          <a:p>
+            <a:pPr marL="0" indent="0">
+              <a:buFontTx/>
+              <a:buNone/>
+            </a:pPr>
+            <a:r>
+              <a:rPr lang="en-US" dirty="0"/>
+              <a:t>Components don’t know about other components. They only have to notify the mediator about their actions and the mediator will identify the caller and if necessary, trigger actions on the other components.</a:t>
+            </a:r>
           </a:p>
         </p:txBody>
       </p:sp>
@@ -1680,7 +1872,31 @@
           <a:bodyPr/>
           <a:lstStyle/>
           <a:p>
-            <a:endParaRPr lang="en-US" dirty="0"/>
+            <a:pPr marL="171450" indent="-171450">
+              <a:buFontTx/>
+              <a:buChar char="-"/>
+            </a:pPr>
+            <a:r>
+              <a:rPr lang="en-US" dirty="0"/>
+              <a:t>Consider using a mediator when it’s hard to change classes because they’re tightly coupled to other classes. The mediator will extract the relationships between the classes and isolate the changes to itself so that the can collaborate with other components.</a:t>
+            </a:r>
+            <a:br>
+              <a:rPr lang="en-US" dirty="0"/>
+            </a:br>
+            <a:r>
+              <a:rPr lang="en-US" dirty="0"/>
+              <a:t>- Use the mediator when you need to reuse a component but it can’t be used on a different program because it’s tightly coupled to other components. </a:t>
+            </a:r>
+          </a:p>
+          <a:p>
+            <a:pPr marL="171450" indent="-171450">
+              <a:buFontTx/>
+              <a:buChar char="-"/>
+            </a:pPr>
+            <a:r>
+              <a:rPr lang="en-US" dirty="0"/>
+              <a:t>Use the mediator when you find yourself building too much component sub-classes just to be able to reuse basic behavior on other contexts.</a:t>
+            </a:r>
           </a:p>
         </p:txBody>
       </p:sp>
@@ -2031,7 +2247,7 @@
           </a:ln>
           <a:extLst>
             <a:ext uri="{C572A759-6A51-4108-AA02-DFA0A04FC94B}">
-              <ma14:wrappingTextBoxFlag xmlns:ma14="http://schemas.microsoft.com/office/mac/drawingml/2011/main" xmlns:a14="http://schemas.microsoft.com/office/drawing/2010/main" xmlns:m="http://schemas.openxmlformats.org/officeDocument/2006/math" xmlns="" val="1"/>
+              <ma14:wrappingTextBoxFlag xmlns="" xmlns:m="http://schemas.openxmlformats.org/officeDocument/2006/math" xmlns:a14="http://schemas.microsoft.com/office/drawing/2010/main" xmlns:ma14="http://schemas.microsoft.com/office/mac/drawingml/2011/main" val="1"/>
             </a:ext>
           </a:extLst>
         </p:spPr>
@@ -2286,7 +2502,7 @@
           </a:ln>
           <a:extLst>
             <a:ext uri="{C572A759-6A51-4108-AA02-DFA0A04FC94B}">
-              <ma14:wrappingTextBoxFlag xmlns:ma14="http://schemas.microsoft.com/office/mac/drawingml/2011/main" xmlns:a14="http://schemas.microsoft.com/office/drawing/2010/main" xmlns:m="http://schemas.openxmlformats.org/officeDocument/2006/math" xmlns="" val="1"/>
+              <ma14:wrappingTextBoxFlag xmlns="" xmlns:m="http://schemas.openxmlformats.org/officeDocument/2006/math" xmlns:a14="http://schemas.microsoft.com/office/drawing/2010/main" xmlns:ma14="http://schemas.microsoft.com/office/mac/drawingml/2011/main" val="1"/>
             </a:ext>
           </a:extLst>
         </p:spPr>
@@ -2380,7 +2596,7 @@
           </a:ln>
           <a:extLst>
             <a:ext uri="{C572A759-6A51-4108-AA02-DFA0A04FC94B}">
-              <ma14:wrappingTextBoxFlag xmlns:ma14="http://schemas.microsoft.com/office/mac/drawingml/2011/main" xmlns:a14="http://schemas.microsoft.com/office/drawing/2010/main" xmlns:m="http://schemas.openxmlformats.org/officeDocument/2006/math" xmlns="" val="1"/>
+              <ma14:wrappingTextBoxFlag xmlns="" xmlns:m="http://schemas.openxmlformats.org/officeDocument/2006/math" xmlns:a14="http://schemas.microsoft.com/office/drawing/2010/main" xmlns:ma14="http://schemas.microsoft.com/office/mac/drawingml/2011/main" val="1"/>
             </a:ext>
           </a:extLst>
         </p:spPr>
@@ -2470,7 +2686,7 @@
           </a:ln>
           <a:extLst>
             <a:ext uri="{C572A759-6A51-4108-AA02-DFA0A04FC94B}">
-              <ma14:wrappingTextBoxFlag xmlns:ma14="http://schemas.microsoft.com/office/mac/drawingml/2011/main" xmlns:a14="http://schemas.microsoft.com/office/drawing/2010/main" xmlns:m="http://schemas.openxmlformats.org/officeDocument/2006/math" xmlns="" val="1"/>
+              <ma14:wrappingTextBoxFlag xmlns="" xmlns:m="http://schemas.openxmlformats.org/officeDocument/2006/math" xmlns:a14="http://schemas.microsoft.com/office/drawing/2010/main" xmlns:ma14="http://schemas.microsoft.com/office/mac/drawingml/2011/main" val="1"/>
             </a:ext>
           </a:extLst>
         </p:spPr>
@@ -2645,7 +2861,7 @@
           <a:p>
             <a:fld id="{1D8BD707-D9CF-40AE-B4C6-C98DA3205C09}" type="datetimeFigureOut">
               <a:rPr lang="en-US"/>
-              <a:t>1/25/2022</a:t>
+              <a:t>1/26/2022</a:t>
             </a:fld>
             <a:endParaRPr lang="en-US"/>
           </a:p>
@@ -2983,7 +3199,7 @@
           </a:ln>
           <a:extLst>
             <a:ext uri="{C572A759-6A51-4108-AA02-DFA0A04FC94B}">
-              <ma14:wrappingTextBoxFlag xmlns:ma14="http://schemas.microsoft.com/office/mac/drawingml/2011/main" xmlns:a14="http://schemas.microsoft.com/office/drawing/2010/main" xmlns:m="http://schemas.openxmlformats.org/officeDocument/2006/math" xmlns="" val="1"/>
+              <ma14:wrappingTextBoxFlag xmlns="" xmlns:m="http://schemas.openxmlformats.org/officeDocument/2006/math" xmlns:a14="http://schemas.microsoft.com/office/drawing/2010/main" xmlns:ma14="http://schemas.microsoft.com/office/mac/drawingml/2011/main" val="1"/>
             </a:ext>
           </a:extLst>
         </p:spPr>
@@ -3225,7 +3441,7 @@
           </a:ln>
           <a:extLst>
             <a:ext uri="{C572A759-6A51-4108-AA02-DFA0A04FC94B}">
-              <ma14:wrappingTextBoxFlag xmlns:ma14="http://schemas.microsoft.com/office/mac/drawingml/2011/main" xmlns:a14="http://schemas.microsoft.com/office/drawing/2010/main" xmlns:m="http://schemas.openxmlformats.org/officeDocument/2006/math" xmlns="" val="1"/>
+              <ma14:wrappingTextBoxFlag xmlns="" xmlns:m="http://schemas.openxmlformats.org/officeDocument/2006/math" xmlns:a14="http://schemas.microsoft.com/office/drawing/2010/main" xmlns:ma14="http://schemas.microsoft.com/office/mac/drawingml/2011/main" val="1"/>
             </a:ext>
           </a:extLst>
         </p:spPr>
@@ -3394,7 +3610,7 @@
           </a:ln>
           <a:extLst>
             <a:ext uri="{C572A759-6A51-4108-AA02-DFA0A04FC94B}">
-              <ma14:wrappingTextBoxFlag xmlns:ma14="http://schemas.microsoft.com/office/mac/drawingml/2011/main" xmlns:a14="http://schemas.microsoft.com/office/drawing/2010/main" xmlns:m="http://schemas.openxmlformats.org/officeDocument/2006/math" xmlns="" val="1"/>
+              <ma14:wrappingTextBoxFlag xmlns="" xmlns:m="http://schemas.openxmlformats.org/officeDocument/2006/math" xmlns:a14="http://schemas.microsoft.com/office/drawing/2010/main" xmlns:ma14="http://schemas.microsoft.com/office/mac/drawingml/2011/main" val="1"/>
             </a:ext>
           </a:extLst>
         </p:spPr>
@@ -3636,7 +3852,7 @@
           </a:ln>
           <a:extLst>
             <a:ext uri="{C572A759-6A51-4108-AA02-DFA0A04FC94B}">
-              <ma14:wrappingTextBoxFlag xmlns:ma14="http://schemas.microsoft.com/office/mac/drawingml/2011/main" xmlns:a14="http://schemas.microsoft.com/office/drawing/2010/main" xmlns:m="http://schemas.openxmlformats.org/officeDocument/2006/math" xmlns="" val="1"/>
+              <ma14:wrappingTextBoxFlag xmlns="" xmlns:m="http://schemas.openxmlformats.org/officeDocument/2006/math" xmlns:a14="http://schemas.microsoft.com/office/drawing/2010/main" xmlns:ma14="http://schemas.microsoft.com/office/mac/drawingml/2011/main" val="1"/>
             </a:ext>
           </a:extLst>
         </p:spPr>
@@ -3930,7 +4146,7 @@
           </a:ln>
           <a:extLst>
             <a:ext uri="{C572A759-6A51-4108-AA02-DFA0A04FC94B}">
-              <ma14:wrappingTextBoxFlag xmlns:ma14="http://schemas.microsoft.com/office/mac/drawingml/2011/main" xmlns:a14="http://schemas.microsoft.com/office/drawing/2010/main" xmlns:m="http://schemas.openxmlformats.org/officeDocument/2006/math" xmlns="" val="1"/>
+              <ma14:wrappingTextBoxFlag xmlns="" xmlns:m="http://schemas.openxmlformats.org/officeDocument/2006/math" xmlns:a14="http://schemas.microsoft.com/office/drawing/2010/main" xmlns:ma14="http://schemas.microsoft.com/office/mac/drawingml/2011/main" val="1"/>
             </a:ext>
           </a:extLst>
         </p:spPr>
@@ -4224,7 +4440,7 @@
           </a:ln>
           <a:extLst>
             <a:ext uri="{C572A759-6A51-4108-AA02-DFA0A04FC94B}">
-              <ma14:wrappingTextBoxFlag xmlns:ma14="http://schemas.microsoft.com/office/mac/drawingml/2011/main" xmlns:a14="http://schemas.microsoft.com/office/drawing/2010/main" xmlns:m="http://schemas.openxmlformats.org/officeDocument/2006/math" xmlns="" val="1"/>
+              <ma14:wrappingTextBoxFlag xmlns="" xmlns:m="http://schemas.openxmlformats.org/officeDocument/2006/math" xmlns:a14="http://schemas.microsoft.com/office/drawing/2010/main" xmlns:ma14="http://schemas.microsoft.com/office/mac/drawingml/2011/main" val="1"/>
             </a:ext>
           </a:extLst>
         </p:spPr>
@@ -4518,7 +4734,7 @@
           </a:ln>
           <a:extLst>
             <a:ext uri="{C572A759-6A51-4108-AA02-DFA0A04FC94B}">
-              <ma14:wrappingTextBoxFlag xmlns:ma14="http://schemas.microsoft.com/office/mac/drawingml/2011/main" xmlns:a14="http://schemas.microsoft.com/office/drawing/2010/main" xmlns:m="http://schemas.openxmlformats.org/officeDocument/2006/math" xmlns="" val="1"/>
+              <ma14:wrappingTextBoxFlag xmlns="" xmlns:m="http://schemas.openxmlformats.org/officeDocument/2006/math" xmlns:a14="http://schemas.microsoft.com/office/drawing/2010/main" xmlns:ma14="http://schemas.microsoft.com/office/mac/drawingml/2011/main" val="1"/>
             </a:ext>
           </a:extLst>
         </p:spPr>
@@ -9062,8 +9278,8 @@
         </p:nvSpPr>
         <p:spPr>
           <a:xfrm>
-            <a:off x="3295935" y="1833086"/>
-            <a:ext cx="5691116" cy="1477328"/>
+            <a:off x="3295935" y="1417588"/>
+            <a:ext cx="5691116" cy="2308324"/>
           </a:xfrm>
           <a:prstGeom prst="rect">
             <a:avLst/>
@@ -9078,11 +9294,21 @@
           <a:p>
             <a:r>
               <a:rPr lang="en-US" b="1" dirty="0"/>
-              <a:t>- Mediator:</a:t>
+              <a:t>- Mediator interface:</a:t>
             </a:r>
             <a:r>
               <a:rPr lang="en-US" dirty="0"/>
-              <a:t> Object that gets notified about the components behavior and also invokes behavior on the components.</a:t>
+              <a:t> Declares the notify() method and can be implemented by other classes that will serve as actual mediators.</a:t>
+            </a:r>
+          </a:p>
+          <a:p>
+            <a:r>
+              <a:rPr lang="en-US" b="1" dirty="0"/>
+              <a:t>- Implemented Mediator:</a:t>
+            </a:r>
+            <a:r>
+              <a:rPr lang="en-US" dirty="0"/>
+              <a:t> Receives notifications from the components, identifies the calling component and triggers actions on other components when needed.</a:t>
             </a:r>
           </a:p>
           <a:p>
@@ -9402,7 +9628,7 @@
           <a:p>
             <a:r>
               <a:rPr lang="en-US" dirty="0"/>
-              <a:t>Several components can communicate with each other to collaborate on their tasks in an ordered fashion by notifying a Mediator about their tasks.</a:t>
+              <a:t>Several components can collaborate with each other to in an ordered fashion by notifying a Mediator about their tasks.</a:t>
             </a:r>
           </a:p>
         </p:txBody>
@@ -9817,8 +10043,8 @@
         </p:nvSpPr>
         <p:spPr>
           <a:xfrm>
-            <a:off x="3295935" y="2387084"/>
-            <a:ext cx="5691116" cy="369332"/>
+            <a:off x="3295935" y="1694587"/>
+            <a:ext cx="5691116" cy="2031325"/>
           </a:xfrm>
           <a:prstGeom prst="rect">
             <a:avLst/>
@@ -9833,7 +10059,35 @@
           <a:p>
             <a:r>
               <a:rPr lang="en-US" dirty="0"/>
-              <a:t>Over time, a mediator can become a </a:t>
+              <a:t>✔ Single Responsibility Principle</a:t>
+            </a:r>
+          </a:p>
+          <a:p>
+            <a:r>
+              <a:rPr lang="en-US" dirty="0"/>
+              <a:t>✔ Open/Close Principle</a:t>
+            </a:r>
+          </a:p>
+          <a:p>
+            <a:r>
+              <a:rPr lang="en-US" dirty="0"/>
+              <a:t>✔ No Coupling</a:t>
+            </a:r>
+            <a:br>
+              <a:rPr lang="en-US" dirty="0"/>
+            </a:br>
+            <a:r>
+              <a:rPr lang="en-US" dirty="0"/>
+              <a:t>✔ Code reusability</a:t>
+            </a:r>
+          </a:p>
+          <a:p>
+            <a:endParaRPr lang="en-US" dirty="0"/>
+          </a:p>
+          <a:p>
+            <a:r>
+              <a:rPr lang="en-US" dirty="0"/>
+              <a:t>❌ If a mediator is not kept simple, it can become </a:t>
             </a:r>
             <a:r>
               <a:rPr lang="en-US" i="1" dirty="0">
@@ -10798,6 +11052,15 @@
 </file>
 
 <file path=customXml/item2.xml><?xml version="1.0" encoding="utf-8"?>
+<?mso-contentType ?>
+<FormTemplates xmlns="http://schemas.microsoft.com/sharepoint/v3/contenttype/forms">
+  <Display>DocumentLibraryForm</Display>
+  <Edit>DocumentLibraryForm</Edit>
+  <New>DocumentLibraryForm</New>
+</FormTemplates>
+</file>
+
+<file path=customXml/item3.xml><?xml version="1.0" encoding="utf-8"?>
 <ct:contentTypeSchema xmlns:ct="http://schemas.microsoft.com/office/2006/metadata/contentType" xmlns:ma="http://schemas.microsoft.com/office/2006/metadata/properties/metaAttributes" ct:_="" ma:_="" ma:contentTypeName="Document" ma:contentTypeID="0x010100771849B2853C5942819AFD4B3480265A" ma:contentTypeVersion="12" ma:contentTypeDescription="Create a new document." ma:contentTypeScope="" ma:versionID="4642f6831e4367869d55b89fa0d2a1e9">
   <xsd:schema xmlns:xsd="http://www.w3.org/2001/XMLSchema" xmlns:xs="http://www.w3.org/2001/XMLSchema" xmlns:p="http://schemas.microsoft.com/office/2006/metadata/properties" xmlns:ns2="763e7882-635c-4cc5-9e4c-3f50d6b5b1a0" xmlns:ns3="5b162adf-41e4-46cb-a396-5a31daac09d5" targetNamespace="http://schemas.microsoft.com/office/2006/metadata/properties" ma:root="true" ma:fieldsID="0b69e93ab464ab01c6d6a6325b80bae9" ns2:_="" ns3:_="">
     <xsd:import namespace="763e7882-635c-4cc5-9e4c-3f50d6b5b1a0"/>
@@ -11016,15 +11279,6 @@
 </ct:contentTypeSchema>
 </file>
 
-<file path=customXml/item3.xml><?xml version="1.0" encoding="utf-8"?>
-<?mso-contentType ?>
-<FormTemplates xmlns="http://schemas.microsoft.com/sharepoint/v3/contenttype/forms">
-  <Display>DocumentLibraryForm</Display>
-  <Edit>DocumentLibraryForm</Edit>
-  <New>DocumentLibraryForm</New>
-</FormTemplates>
-</file>
-
 <file path=customXml/itemProps1.xml><?xml version="1.0" encoding="utf-8"?>
 <ds:datastoreItem xmlns:ds="http://schemas.openxmlformats.org/officeDocument/2006/customXml" ds:itemID="{042399D5-9EAB-40EA-B3A7-AE229B8C598B}">
   <ds:schemaRefs>
@@ -11043,6 +11297,14 @@
 </file>
 
 <file path=customXml/itemProps2.xml><?xml version="1.0" encoding="utf-8"?>
+<ds:datastoreItem xmlns:ds="http://schemas.openxmlformats.org/officeDocument/2006/customXml" ds:itemID="{4D540AE2-F5F2-4CCC-928E-E0CA0A275CAE}">
+  <ds:schemaRefs>
+    <ds:schemaRef ds:uri="http://schemas.microsoft.com/sharepoint/v3/contenttype/forms"/>
+  </ds:schemaRefs>
+</ds:datastoreItem>
+</file>
+
+<file path=customXml/itemProps3.xml><?xml version="1.0" encoding="utf-8"?>
 <ds:datastoreItem xmlns:ds="http://schemas.openxmlformats.org/officeDocument/2006/customXml" ds:itemID="{B216824D-1A5C-4261-8C78-F1A8E5FEC8F2}">
   <ds:schemaRefs>
     <ds:schemaRef ds:uri="5b162adf-41e4-46cb-a396-5a31daac09d5"/>
@@ -11059,12 +11321,4 @@
     <ds:schemaRef ds:uri="http://www.w3.org/2001/XMLSchema"/>
   </ds:schemaRefs>
 </ds:datastoreItem>
-</file>
-
-<file path=customXml/itemProps3.xml><?xml version="1.0" encoding="utf-8"?>
-<ds:datastoreItem xmlns:ds="http://schemas.openxmlformats.org/officeDocument/2006/customXml" ds:itemID="{4D540AE2-F5F2-4CCC-928E-E0CA0A275CAE}">
-  <ds:schemaRefs>
-    <ds:schemaRef ds:uri="http://schemas.microsoft.com/sharepoint/v3/contenttype/forms"/>
-  </ds:schemaRefs>
-</ds:datastoreItem>
 </file>